--- a/Presentation.pptx
+++ b/Presentation.pptx
@@ -123,12 +123,77 @@
 <p1510:revInfo xmlns:a="http://schemas.openxmlformats.org/drawingml/2006/main" xmlns:r="http://schemas.openxmlformats.org/officeDocument/2006/relationships" xmlns:p1510="http://schemas.microsoft.com/office/powerpoint/2015/10/main">
   <p1510:revLst>
     <p1510:client id="{63446F40-2601-4258-93D3-0645E898005C}" v="48" dt="2024-04-23T18:31:55.701"/>
+    <p1510:client id="{741949F1-FC4C-4953-9D4F-47896365079C}" v="45" dt="2024-04-23T20:57:26.947"/>
   </p1510:revLst>
 </p1510:revInfo>
 </file>
 
 <file path=ppt/changesInfos/changesInfo1.xml><?xml version="1.0" encoding="utf-8"?>
 <pc:chgInfo xmlns:a="http://schemas.openxmlformats.org/drawingml/2006/main" xmlns:r="http://schemas.openxmlformats.org/officeDocument/2006/relationships" xmlns:ac="http://schemas.microsoft.com/office/drawing/2013/main/command" xmlns:pc="http://schemas.microsoft.com/office/powerpoint/2013/main/command">
+  <pc:docChgLst>
+    <pc:chgData name="Sahar Kadkhoda Masoum Ali" userId="3d8a9fd0-7f7d-41b9-90e1-9b9a2d76abe3" providerId="ADAL" clId="{741949F1-FC4C-4953-9D4F-47896365079C}"/>
+    <pc:docChg chg="modSld">
+      <pc:chgData name="Sahar Kadkhoda Masoum Ali" userId="3d8a9fd0-7f7d-41b9-90e1-9b9a2d76abe3" providerId="ADAL" clId="{741949F1-FC4C-4953-9D4F-47896365079C}" dt="2024-04-23T20:57:26.947" v="57" actId="20577"/>
+      <pc:docMkLst>
+        <pc:docMk/>
+      </pc:docMkLst>
+      <pc:sldChg chg="modSp mod modAnim">
+        <pc:chgData name="Sahar Kadkhoda Masoum Ali" userId="3d8a9fd0-7f7d-41b9-90e1-9b9a2d76abe3" providerId="ADAL" clId="{741949F1-FC4C-4953-9D4F-47896365079C}" dt="2024-04-23T20:57:26.947" v="57" actId="20577"/>
+        <pc:sldMkLst>
+          <pc:docMk/>
+          <pc:sldMk cId="430591984" sldId="259"/>
+        </pc:sldMkLst>
+        <pc:spChg chg="mod">
+          <ac:chgData name="Sahar Kadkhoda Masoum Ali" userId="3d8a9fd0-7f7d-41b9-90e1-9b9a2d76abe3" providerId="ADAL" clId="{741949F1-FC4C-4953-9D4F-47896365079C}" dt="2024-04-23T20:55:28.883" v="18" actId="20577"/>
+          <ac:spMkLst>
+            <pc:docMk/>
+            <pc:sldMk cId="430591984" sldId="259"/>
+            <ac:spMk id="3" creationId="{AA11EDAB-A83E-6A4C-D743-2E3EDD25BE70}"/>
+          </ac:spMkLst>
+        </pc:spChg>
+        <pc:spChg chg="mod">
+          <ac:chgData name="Sahar Kadkhoda Masoum Ali" userId="3d8a9fd0-7f7d-41b9-90e1-9b9a2d76abe3" providerId="ADAL" clId="{741949F1-FC4C-4953-9D4F-47896365079C}" dt="2024-04-23T20:57:26.947" v="57" actId="20577"/>
+          <ac:spMkLst>
+            <pc:docMk/>
+            <pc:sldMk cId="430591984" sldId="259"/>
+            <ac:spMk id="10" creationId="{6B6F5C47-71C6-023D-C591-16E3B820CFF6}"/>
+          </ac:spMkLst>
+        </pc:spChg>
+        <pc:graphicFrameChg chg="mod modGraphic">
+          <ac:chgData name="Sahar Kadkhoda Masoum Ali" userId="3d8a9fd0-7f7d-41b9-90e1-9b9a2d76abe3" providerId="ADAL" clId="{741949F1-FC4C-4953-9D4F-47896365079C}" dt="2024-04-23T20:56:14.866" v="32" actId="14734"/>
+          <ac:graphicFrameMkLst>
+            <pc:docMk/>
+            <pc:sldMk cId="430591984" sldId="259"/>
+            <ac:graphicFrameMk id="8" creationId="{04E42C88-379F-AD4A-4FC0-B1CC7577B70B}"/>
+          </ac:graphicFrameMkLst>
+        </pc:graphicFrameChg>
+        <pc:picChg chg="mod">
+          <ac:chgData name="Sahar Kadkhoda Masoum Ali" userId="3d8a9fd0-7f7d-41b9-90e1-9b9a2d76abe3" providerId="ADAL" clId="{741949F1-FC4C-4953-9D4F-47896365079C}" dt="2024-04-23T20:56:20.171" v="33" actId="1076"/>
+          <ac:picMkLst>
+            <pc:docMk/>
+            <pc:sldMk cId="430591984" sldId="259"/>
+            <ac:picMk id="9" creationId="{2C9CEA45-57D3-4ADE-FE8E-C10A556E5508}"/>
+          </ac:picMkLst>
+        </pc:picChg>
+        <pc:picChg chg="mod">
+          <ac:chgData name="Sahar Kadkhoda Masoum Ali" userId="3d8a9fd0-7f7d-41b9-90e1-9b9a2d76abe3" providerId="ADAL" clId="{741949F1-FC4C-4953-9D4F-47896365079C}" dt="2024-04-23T20:56:22.786" v="34" actId="1076"/>
+          <ac:picMkLst>
+            <pc:docMk/>
+            <pc:sldMk cId="430591984" sldId="259"/>
+            <ac:picMk id="2052" creationId="{1E04AFF1-B462-160C-CCB1-579BEB029FF2}"/>
+          </ac:picMkLst>
+        </pc:picChg>
+        <pc:picChg chg="mod">
+          <ac:chgData name="Sahar Kadkhoda Masoum Ali" userId="3d8a9fd0-7f7d-41b9-90e1-9b9a2d76abe3" providerId="ADAL" clId="{741949F1-FC4C-4953-9D4F-47896365079C}" dt="2024-04-23T20:56:25.171" v="35" actId="1076"/>
+          <ac:picMkLst>
+            <pc:docMk/>
+            <pc:sldMk cId="430591984" sldId="259"/>
+            <ac:picMk id="2056" creationId="{E6796FF5-EB55-04AD-0573-D8150BEF654C}"/>
+          </ac:picMkLst>
+        </pc:picChg>
+      </pc:sldChg>
+    </pc:docChg>
+  </pc:docChgLst>
   <pc:docChgLst>
     <pc:chgData name="Sahar Kadkhoda Masoum Ali" userId="3d8a9fd0-7f7d-41b9-90e1-9b9a2d76abe3" providerId="ADAL" clId="{63446F40-2601-4258-93D3-0645E898005C}"/>
     <pc:docChg chg="custSel addSld modSld">
@@ -4994,7 +5059,27 @@
                   <a:schemeClr val="tx1"/>
                 </a:solidFill>
               </a:rPr>
-              <a:t> For both methods of feature detection 1-layer has the highest accuracy.</a:t>
+              <a:t> </a:t>
+            </a:r>
+            <a:r>
+              <a:rPr lang="nb-NO" dirty="0"/>
+              <a:t>Count </a:t>
+            </a:r>
+            <a:r>
+              <a:rPr lang="nb-NO" dirty="0" err="1"/>
+              <a:t>vectorizer</a:t>
+            </a:r>
+            <a:r>
+              <a:rPr lang="nb-NO" dirty="0"/>
+              <a:t>: 2-layers , </a:t>
+            </a:r>
+            <a:r>
+              <a:rPr lang="nb-NO" dirty="0" err="1"/>
+              <a:t>Tf_IDF</a:t>
+            </a:r>
+            <a:r>
+              <a:rPr lang="nb-NO" dirty="0"/>
+              <a:t>: 1-Layer </a:t>
             </a:r>
           </a:p>
           <a:p>
@@ -5116,14 +5201,14 @@
           <p:nvPr>
             <p:extLst>
               <p:ext uri="{D42A27DB-BD31-4B8C-83A1-F6EECF244321}">
-                <p14:modId xmlns:p14="http://schemas.microsoft.com/office/powerpoint/2010/main" val="790462729"/>
+                <p14:modId xmlns:p14="http://schemas.microsoft.com/office/powerpoint/2010/main" val="3735391259"/>
               </p:ext>
             </p:extLst>
           </p:nvPr>
         </p:nvGraphicFramePr>
         <p:xfrm>
           <a:off x="912071" y="3063870"/>
-          <a:ext cx="4880578" cy="1342008"/>
+          <a:ext cx="5097790" cy="1342008"/>
         </p:xfrm>
         <a:graphic>
           <a:graphicData uri="http://schemas.openxmlformats.org/drawingml/2006/table">
@@ -5132,28 +5217,28 @@
                 <a:tableStyleId>{5C22544A-7EE6-4342-B048-85BDC9FD1C3A}</a:tableStyleId>
               </a:tblPr>
               <a:tblGrid>
-                <a:gridCol w="1579742">
+                <a:gridCol w="1513077">
                   <a:extLst>
                     <a:ext uri="{9D8B030D-6E8A-4147-A177-3AD203B41FA5}">
                       <a16:colId xmlns:a16="http://schemas.microsoft.com/office/drawing/2014/main" val="883397328"/>
                     </a:ext>
                   </a:extLst>
                 </a:gridCol>
-                <a:gridCol w="899542">
+                <a:gridCol w="1243907">
                   <a:extLst>
                     <a:ext uri="{9D8B030D-6E8A-4147-A177-3AD203B41FA5}">
                       <a16:colId xmlns:a16="http://schemas.microsoft.com/office/drawing/2014/main" val="4092093854"/>
                     </a:ext>
                   </a:extLst>
                 </a:gridCol>
-                <a:gridCol w="1288111">
+                <a:gridCol w="1178080">
                   <a:extLst>
                     <a:ext uri="{9D8B030D-6E8A-4147-A177-3AD203B41FA5}">
                       <a16:colId xmlns:a16="http://schemas.microsoft.com/office/drawing/2014/main" val="2571597611"/>
                     </a:ext>
                   </a:extLst>
                 </a:gridCol>
-                <a:gridCol w="1113183">
+                <a:gridCol w="1162726">
                   <a:extLst>
                     <a:ext uri="{9D8B030D-6E8A-4147-A177-3AD203B41FA5}">
                       <a16:colId xmlns:a16="http://schemas.microsoft.com/office/drawing/2014/main" val="3931190801"/>
@@ -5418,6 +5503,51 @@
                           <a:ea typeface="+mn-ea"/>
                           <a:cs typeface="+mn-cs"/>
                         </a:rPr>
+                        <a:t>Softmax</a:t>
+                      </a:r>
+                      <a:endParaRPr lang="nb-NO" sz="1400" kern="1200" dirty="0">
+                        <a:solidFill>
+                          <a:schemeClr val="tx1"/>
+                        </a:solidFill>
+                        <a:latin typeface="+mn-lt"/>
+                        <a:ea typeface="+mn-ea"/>
+                        <a:cs typeface="+mn-cs"/>
+                      </a:endParaRPr>
+                    </a:p>
+                  </a:txBody>
+                  <a:tcPr/>
+                </a:tc>
+                <a:tc>
+                  <a:txBody>
+                    <a:bodyPr/>
+                    <a:lstStyle/>
+                    <a:p>
+                      <a:pPr marL="0" marR="0" lvl="0" indent="0" algn="ctr" defTabSz="457200" rtl="0" eaLnBrk="1" fontAlgn="auto" latinLnBrk="0" hangingPunct="1">
+                        <a:lnSpc>
+                          <a:spcPct val="100000"/>
+                        </a:lnSpc>
+                        <a:spcBef>
+                          <a:spcPts val="0"/>
+                        </a:spcBef>
+                        <a:spcAft>
+                          <a:spcPts val="0"/>
+                        </a:spcAft>
+                        <a:buClrTx/>
+                        <a:buSzTx/>
+                        <a:buFontTx/>
+                        <a:buNone/>
+                        <a:tabLst/>
+                        <a:defRPr/>
+                      </a:pPr>
+                      <a:r>
+                        <a:rPr lang="nb-NO" sz="1400" kern="1200" dirty="0" err="1">
+                          <a:solidFill>
+                            <a:schemeClr val="tx1"/>
+                          </a:solidFill>
+                          <a:latin typeface="+mn-lt"/>
+                          <a:ea typeface="+mn-ea"/>
+                          <a:cs typeface="+mn-cs"/>
+                        </a:rPr>
                         <a:t>Leaky</a:t>
                       </a:r>
                       <a:r>
@@ -5431,35 +5561,6 @@
                         </a:rPr>
                         <a:t> RELU</a:t>
                       </a:r>
-                    </a:p>
-                  </a:txBody>
-                  <a:tcPr/>
-                </a:tc>
-                <a:tc>
-                  <a:txBody>
-                    <a:bodyPr/>
-                    <a:lstStyle/>
-                    <a:p>
-                      <a:pPr algn="ctr"/>
-                      <a:r>
-                        <a:rPr lang="nb-NO" sz="1400" kern="1200" dirty="0" err="1">
-                          <a:solidFill>
-                            <a:schemeClr val="tx1"/>
-                          </a:solidFill>
-                          <a:latin typeface="+mn-lt"/>
-                          <a:ea typeface="+mn-ea"/>
-                          <a:cs typeface="+mn-cs"/>
-                        </a:rPr>
-                        <a:t>Softmax</a:t>
-                      </a:r>
-                      <a:endParaRPr lang="nb-NO" sz="1400" kern="1200" dirty="0">
-                        <a:solidFill>
-                          <a:schemeClr val="tx1"/>
-                        </a:solidFill>
-                        <a:latin typeface="+mn-lt"/>
-                        <a:ea typeface="+mn-ea"/>
-                        <a:cs typeface="+mn-cs"/>
-                      </a:endParaRPr>
                     </a:p>
                   </a:txBody>
                   <a:tcPr/>
@@ -5503,7 +5604,7 @@
         </p:blipFill>
         <p:spPr bwMode="auto">
           <a:xfrm>
-            <a:off x="2739334" y="3213752"/>
+            <a:off x="2942713" y="3213752"/>
             <a:ext cx="315642" cy="318125"/>
           </a:xfrm>
           <a:prstGeom prst="rect">
@@ -5550,7 +5651,7 @@
         </p:blipFill>
         <p:spPr bwMode="auto">
           <a:xfrm>
-            <a:off x="3729019" y="3213752"/>
+            <a:off x="4071025" y="3213752"/>
             <a:ext cx="320040" cy="320039"/>
           </a:xfrm>
           <a:prstGeom prst="rect">
@@ -5597,7 +5698,7 @@
         </p:blipFill>
         <p:spPr bwMode="auto">
           <a:xfrm>
-            <a:off x="5057946" y="3213752"/>
+            <a:off x="5288997" y="3213752"/>
             <a:ext cx="285034" cy="320040"/>
           </a:xfrm>
           <a:prstGeom prst="rect">
@@ -5629,7 +5730,7 @@
         </p:nvSpPr>
         <p:spPr>
           <a:xfrm>
-            <a:off x="591102" y="4632269"/>
+            <a:off x="554342" y="4651489"/>
             <a:ext cx="8933688" cy="1409617"/>
           </a:xfrm>
           <a:prstGeom prst="rect">
@@ -5771,15 +5872,7 @@
             </a:r>
             <a:r>
               <a:rPr lang="nb-NO" dirty="0"/>
-              <a:t> has more </a:t>
-            </a:r>
-            <a:r>
-              <a:rPr lang="nb-NO" dirty="0" err="1"/>
-              <a:t>than</a:t>
-            </a:r>
-            <a:r>
-              <a:rPr lang="nb-NO" dirty="0"/>
-              <a:t> 1% </a:t>
+              <a:t> </a:t>
             </a:r>
             <a:r>
               <a:rPr lang="nb-NO" dirty="0" err="1"/>
@@ -5787,11 +5880,43 @@
             </a:r>
             <a:r>
               <a:rPr lang="nb-NO" dirty="0"/>
-              <a:t> in </a:t>
+              <a:t> </a:t>
+            </a:r>
+            <a:r>
+              <a:rPr lang="nb-NO" dirty="0" err="1"/>
+              <a:t>of</a:t>
+            </a:r>
+            <a:r>
+              <a:rPr lang="nb-NO" dirty="0"/>
+              <a:t> </a:t>
+            </a:r>
+            <a:r>
+              <a:rPr lang="nb-NO" dirty="0" err="1"/>
+              <a:t>the</a:t>
+            </a:r>
+            <a:r>
+              <a:rPr lang="nb-NO" dirty="0"/>
+              <a:t> </a:t>
             </a:r>
             <a:r>
               <a:rPr lang="nb-NO" dirty="0" err="1"/>
               <a:t>accuracy</a:t>
+            </a:r>
+            <a:r>
+              <a:rPr lang="nb-NO" dirty="0"/>
+              <a:t> </a:t>
+            </a:r>
+            <a:r>
+              <a:rPr lang="nb-NO" dirty="0" err="1"/>
+              <a:t>are</a:t>
+            </a:r>
+            <a:r>
+              <a:rPr lang="nb-NO" dirty="0"/>
+              <a:t> so </a:t>
+            </a:r>
+            <a:r>
+              <a:rPr lang="nb-NO" dirty="0" err="1"/>
+              <a:t>little</a:t>
             </a:r>
             <a:r>
               <a:rPr lang="nb-NO" dirty="0"/>

--- a/Presentation.pptx
+++ b/Presentation.pptx
@@ -4,6 +4,9 @@
   <p:sldMasterIdLst>
     <p:sldMasterId id="2147483731" r:id="rId1"/>
   </p:sldMasterIdLst>
+  <p:notesMasterIdLst>
+    <p:notesMasterId r:id="rId10"/>
+  </p:notesMasterIdLst>
   <p:sldIdLst>
     <p:sldId id="256" r:id="rId2"/>
     <p:sldId id="257" r:id="rId3"/>
@@ -11,7 +14,7 @@
     <p:sldId id="259" r:id="rId5"/>
     <p:sldId id="260" r:id="rId6"/>
     <p:sldId id="261" r:id="rId7"/>
-    <p:sldId id="263" r:id="rId8"/>
+    <p:sldId id="264" r:id="rId8"/>
     <p:sldId id="262" r:id="rId9"/>
   </p:sldIdLst>
   <p:sldSz cx="12192000" cy="6858000"/>
@@ -123,77 +126,12 @@
 <p1510:revInfo xmlns:a="http://schemas.openxmlformats.org/drawingml/2006/main" xmlns:r="http://schemas.openxmlformats.org/officeDocument/2006/relationships" xmlns:p1510="http://schemas.microsoft.com/office/powerpoint/2015/10/main">
   <p1510:revLst>
     <p1510:client id="{63446F40-2601-4258-93D3-0645E898005C}" v="48" dt="2024-04-23T18:31:55.701"/>
-    <p1510:client id="{741949F1-FC4C-4953-9D4F-47896365079C}" v="45" dt="2024-04-23T20:57:26.947"/>
   </p1510:revLst>
 </p1510:revInfo>
 </file>
 
 <file path=ppt/changesInfos/changesInfo1.xml><?xml version="1.0" encoding="utf-8"?>
 <pc:chgInfo xmlns:a="http://schemas.openxmlformats.org/drawingml/2006/main" xmlns:r="http://schemas.openxmlformats.org/officeDocument/2006/relationships" xmlns:ac="http://schemas.microsoft.com/office/drawing/2013/main/command" xmlns:pc="http://schemas.microsoft.com/office/powerpoint/2013/main/command">
-  <pc:docChgLst>
-    <pc:chgData name="Sahar Kadkhoda Masoum Ali" userId="3d8a9fd0-7f7d-41b9-90e1-9b9a2d76abe3" providerId="ADAL" clId="{741949F1-FC4C-4953-9D4F-47896365079C}"/>
-    <pc:docChg chg="modSld">
-      <pc:chgData name="Sahar Kadkhoda Masoum Ali" userId="3d8a9fd0-7f7d-41b9-90e1-9b9a2d76abe3" providerId="ADAL" clId="{741949F1-FC4C-4953-9D4F-47896365079C}" dt="2024-04-23T20:57:26.947" v="57" actId="20577"/>
-      <pc:docMkLst>
-        <pc:docMk/>
-      </pc:docMkLst>
-      <pc:sldChg chg="modSp mod modAnim">
-        <pc:chgData name="Sahar Kadkhoda Masoum Ali" userId="3d8a9fd0-7f7d-41b9-90e1-9b9a2d76abe3" providerId="ADAL" clId="{741949F1-FC4C-4953-9D4F-47896365079C}" dt="2024-04-23T20:57:26.947" v="57" actId="20577"/>
-        <pc:sldMkLst>
-          <pc:docMk/>
-          <pc:sldMk cId="430591984" sldId="259"/>
-        </pc:sldMkLst>
-        <pc:spChg chg="mod">
-          <ac:chgData name="Sahar Kadkhoda Masoum Ali" userId="3d8a9fd0-7f7d-41b9-90e1-9b9a2d76abe3" providerId="ADAL" clId="{741949F1-FC4C-4953-9D4F-47896365079C}" dt="2024-04-23T20:55:28.883" v="18" actId="20577"/>
-          <ac:spMkLst>
-            <pc:docMk/>
-            <pc:sldMk cId="430591984" sldId="259"/>
-            <ac:spMk id="3" creationId="{AA11EDAB-A83E-6A4C-D743-2E3EDD25BE70}"/>
-          </ac:spMkLst>
-        </pc:spChg>
-        <pc:spChg chg="mod">
-          <ac:chgData name="Sahar Kadkhoda Masoum Ali" userId="3d8a9fd0-7f7d-41b9-90e1-9b9a2d76abe3" providerId="ADAL" clId="{741949F1-FC4C-4953-9D4F-47896365079C}" dt="2024-04-23T20:57:26.947" v="57" actId="20577"/>
-          <ac:spMkLst>
-            <pc:docMk/>
-            <pc:sldMk cId="430591984" sldId="259"/>
-            <ac:spMk id="10" creationId="{6B6F5C47-71C6-023D-C591-16E3B820CFF6}"/>
-          </ac:spMkLst>
-        </pc:spChg>
-        <pc:graphicFrameChg chg="mod modGraphic">
-          <ac:chgData name="Sahar Kadkhoda Masoum Ali" userId="3d8a9fd0-7f7d-41b9-90e1-9b9a2d76abe3" providerId="ADAL" clId="{741949F1-FC4C-4953-9D4F-47896365079C}" dt="2024-04-23T20:56:14.866" v="32" actId="14734"/>
-          <ac:graphicFrameMkLst>
-            <pc:docMk/>
-            <pc:sldMk cId="430591984" sldId="259"/>
-            <ac:graphicFrameMk id="8" creationId="{04E42C88-379F-AD4A-4FC0-B1CC7577B70B}"/>
-          </ac:graphicFrameMkLst>
-        </pc:graphicFrameChg>
-        <pc:picChg chg="mod">
-          <ac:chgData name="Sahar Kadkhoda Masoum Ali" userId="3d8a9fd0-7f7d-41b9-90e1-9b9a2d76abe3" providerId="ADAL" clId="{741949F1-FC4C-4953-9D4F-47896365079C}" dt="2024-04-23T20:56:20.171" v="33" actId="1076"/>
-          <ac:picMkLst>
-            <pc:docMk/>
-            <pc:sldMk cId="430591984" sldId="259"/>
-            <ac:picMk id="9" creationId="{2C9CEA45-57D3-4ADE-FE8E-C10A556E5508}"/>
-          </ac:picMkLst>
-        </pc:picChg>
-        <pc:picChg chg="mod">
-          <ac:chgData name="Sahar Kadkhoda Masoum Ali" userId="3d8a9fd0-7f7d-41b9-90e1-9b9a2d76abe3" providerId="ADAL" clId="{741949F1-FC4C-4953-9D4F-47896365079C}" dt="2024-04-23T20:56:22.786" v="34" actId="1076"/>
-          <ac:picMkLst>
-            <pc:docMk/>
-            <pc:sldMk cId="430591984" sldId="259"/>
-            <ac:picMk id="2052" creationId="{1E04AFF1-B462-160C-CCB1-579BEB029FF2}"/>
-          </ac:picMkLst>
-        </pc:picChg>
-        <pc:picChg chg="mod">
-          <ac:chgData name="Sahar Kadkhoda Masoum Ali" userId="3d8a9fd0-7f7d-41b9-90e1-9b9a2d76abe3" providerId="ADAL" clId="{741949F1-FC4C-4953-9D4F-47896365079C}" dt="2024-04-23T20:56:25.171" v="35" actId="1076"/>
-          <ac:picMkLst>
-            <pc:docMk/>
-            <pc:sldMk cId="430591984" sldId="259"/>
-            <ac:picMk id="2056" creationId="{E6796FF5-EB55-04AD-0573-D8150BEF654C}"/>
-          </ac:picMkLst>
-        </pc:picChg>
-      </pc:sldChg>
-    </pc:docChg>
-  </pc:docChgLst>
   <pc:docChgLst>
     <pc:chgData name="Sahar Kadkhoda Masoum Ali" userId="3d8a9fd0-7f7d-41b9-90e1-9b9a2d76abe3" providerId="ADAL" clId="{63446F40-2601-4258-93D3-0645E898005C}"/>
     <pc:docChg chg="custSel addSld modSld">
@@ -349,6 +287,439 @@
     </pc:docChg>
   </pc:docChgLst>
 </pc:chgInfo>
+</file>
+
+<file path=ppt/notesMasters/notesMaster1.xml><?xml version="1.0" encoding="utf-8"?>
+<p:notesMaster xmlns:a="http://schemas.openxmlformats.org/drawingml/2006/main" xmlns:r="http://schemas.openxmlformats.org/officeDocument/2006/relationships" xmlns:p="http://schemas.openxmlformats.org/presentationml/2006/main">
+  <p:cSld>
+    <p:bg>
+      <p:bgRef idx="1001">
+        <a:schemeClr val="bg1"/>
+      </p:bgRef>
+    </p:bg>
+    <p:spTree>
+      <p:nvGrpSpPr>
+        <p:cNvPr id="1" name=""/>
+        <p:cNvGrpSpPr/>
+        <p:nvPr/>
+      </p:nvGrpSpPr>
+      <p:grpSpPr>
+        <a:xfrm>
+          <a:off x="0" y="0"/>
+          <a:ext cx="0" cy="0"/>
+          <a:chOff x="0" y="0"/>
+          <a:chExt cx="0" cy="0"/>
+        </a:xfrm>
+      </p:grpSpPr>
+      <p:sp>
+        <p:nvSpPr>
+          <p:cNvPr id="2" name="Header Placeholder 1"/>
+          <p:cNvSpPr>
+            <a:spLocks noGrp="1"/>
+          </p:cNvSpPr>
+          <p:nvPr>
+            <p:ph type="hdr" sz="quarter"/>
+          </p:nvPr>
+        </p:nvSpPr>
+        <p:spPr>
+          <a:xfrm>
+            <a:off x="0" y="0"/>
+            <a:ext cx="2971800" cy="458788"/>
+          </a:xfrm>
+          <a:prstGeom prst="rect">
+            <a:avLst/>
+          </a:prstGeom>
+        </p:spPr>
+        <p:txBody>
+          <a:bodyPr vert="horz" lIns="91440" tIns="45720" rIns="91440" bIns="45720" rtlCol="0"/>
+          <a:lstStyle>
+            <a:lvl1pPr algn="l">
+              <a:defRPr sz="1200"/>
+            </a:lvl1pPr>
+          </a:lstStyle>
+          <a:p>
+            <a:endParaRPr lang="en-US"/>
+          </a:p>
+        </p:txBody>
+      </p:sp>
+      <p:sp>
+        <p:nvSpPr>
+          <p:cNvPr id="3" name="Date Placeholder 2"/>
+          <p:cNvSpPr>
+            <a:spLocks noGrp="1"/>
+          </p:cNvSpPr>
+          <p:nvPr>
+            <p:ph type="dt" idx="1"/>
+          </p:nvPr>
+        </p:nvSpPr>
+        <p:spPr>
+          <a:xfrm>
+            <a:off x="3884613" y="0"/>
+            <a:ext cx="2971800" cy="458788"/>
+          </a:xfrm>
+          <a:prstGeom prst="rect">
+            <a:avLst/>
+          </a:prstGeom>
+        </p:spPr>
+        <p:txBody>
+          <a:bodyPr vert="horz" lIns="91440" tIns="45720" rIns="91440" bIns="45720" rtlCol="0"/>
+          <a:lstStyle>
+            <a:lvl1pPr algn="r">
+              <a:defRPr sz="1200"/>
+            </a:lvl1pPr>
+          </a:lstStyle>
+          <a:p>
+            <a:fld id="{900FF26B-FB6E-1246-B109-060041C588DB}" type="datetimeFigureOut">
+              <a:rPr lang="en-US" smtClean="0"/>
+              <a:t>4/24/24</a:t>
+            </a:fld>
+            <a:endParaRPr lang="en-US"/>
+          </a:p>
+        </p:txBody>
+      </p:sp>
+      <p:sp>
+        <p:nvSpPr>
+          <p:cNvPr id="4" name="Slide Image Placeholder 3"/>
+          <p:cNvSpPr>
+            <a:spLocks noGrp="1" noRot="1" noChangeAspect="1"/>
+          </p:cNvSpPr>
+          <p:nvPr>
+            <p:ph type="sldImg" idx="2"/>
+          </p:nvPr>
+        </p:nvSpPr>
+        <p:spPr>
+          <a:xfrm>
+            <a:off x="685800" y="1143000"/>
+            <a:ext cx="5486400" cy="3086100"/>
+          </a:xfrm>
+          <a:prstGeom prst="rect">
+            <a:avLst/>
+          </a:prstGeom>
+          <a:noFill/>
+          <a:ln w="12700">
+            <a:solidFill>
+              <a:prstClr val="black"/>
+            </a:solidFill>
+          </a:ln>
+        </p:spPr>
+        <p:txBody>
+          <a:bodyPr vert="horz" lIns="91440" tIns="45720" rIns="91440" bIns="45720" rtlCol="0" anchor="ctr"/>
+          <a:lstStyle/>
+          <a:p>
+            <a:endParaRPr lang="en-US"/>
+          </a:p>
+        </p:txBody>
+      </p:sp>
+      <p:sp>
+        <p:nvSpPr>
+          <p:cNvPr id="5" name="Notes Placeholder 4"/>
+          <p:cNvSpPr>
+            <a:spLocks noGrp="1"/>
+          </p:cNvSpPr>
+          <p:nvPr>
+            <p:ph type="body" sz="quarter" idx="3"/>
+          </p:nvPr>
+        </p:nvSpPr>
+        <p:spPr>
+          <a:xfrm>
+            <a:off x="685800" y="4400550"/>
+            <a:ext cx="5486400" cy="3600450"/>
+          </a:xfrm>
+          <a:prstGeom prst="rect">
+            <a:avLst/>
+          </a:prstGeom>
+        </p:spPr>
+        <p:txBody>
+          <a:bodyPr vert="horz" lIns="91440" tIns="45720" rIns="91440" bIns="45720" rtlCol="0"/>
+          <a:lstStyle/>
+          <a:p>
+            <a:pPr lvl="0"/>
+            <a:r>
+              <a:rPr lang="en-US"/>
+              <a:t>Click to edit Master text styles</a:t>
+            </a:r>
+          </a:p>
+          <a:p>
+            <a:pPr lvl="1"/>
+            <a:r>
+              <a:rPr lang="en-US"/>
+              <a:t>Second level</a:t>
+            </a:r>
+          </a:p>
+          <a:p>
+            <a:pPr lvl="2"/>
+            <a:r>
+              <a:rPr lang="en-US"/>
+              <a:t>Third level</a:t>
+            </a:r>
+          </a:p>
+          <a:p>
+            <a:pPr lvl="3"/>
+            <a:r>
+              <a:rPr lang="en-US"/>
+              <a:t>Fourth level</a:t>
+            </a:r>
+          </a:p>
+          <a:p>
+            <a:pPr lvl="4"/>
+            <a:r>
+              <a:rPr lang="en-US"/>
+              <a:t>Fifth level</a:t>
+            </a:r>
+          </a:p>
+        </p:txBody>
+      </p:sp>
+      <p:sp>
+        <p:nvSpPr>
+          <p:cNvPr id="6" name="Footer Placeholder 5"/>
+          <p:cNvSpPr>
+            <a:spLocks noGrp="1"/>
+          </p:cNvSpPr>
+          <p:nvPr>
+            <p:ph type="ftr" sz="quarter" idx="4"/>
+          </p:nvPr>
+        </p:nvSpPr>
+        <p:spPr>
+          <a:xfrm>
+            <a:off x="0" y="8685213"/>
+            <a:ext cx="2971800" cy="458787"/>
+          </a:xfrm>
+          <a:prstGeom prst="rect">
+            <a:avLst/>
+          </a:prstGeom>
+        </p:spPr>
+        <p:txBody>
+          <a:bodyPr vert="horz" lIns="91440" tIns="45720" rIns="91440" bIns="45720" rtlCol="0" anchor="b"/>
+          <a:lstStyle>
+            <a:lvl1pPr algn="l">
+              <a:defRPr sz="1200"/>
+            </a:lvl1pPr>
+          </a:lstStyle>
+          <a:p>
+            <a:endParaRPr lang="en-US"/>
+          </a:p>
+        </p:txBody>
+      </p:sp>
+      <p:sp>
+        <p:nvSpPr>
+          <p:cNvPr id="7" name="Slide Number Placeholder 6"/>
+          <p:cNvSpPr>
+            <a:spLocks noGrp="1"/>
+          </p:cNvSpPr>
+          <p:nvPr>
+            <p:ph type="sldNum" sz="quarter" idx="5"/>
+          </p:nvPr>
+        </p:nvSpPr>
+        <p:spPr>
+          <a:xfrm>
+            <a:off x="3884613" y="8685213"/>
+            <a:ext cx="2971800" cy="458787"/>
+          </a:xfrm>
+          <a:prstGeom prst="rect">
+            <a:avLst/>
+          </a:prstGeom>
+        </p:spPr>
+        <p:txBody>
+          <a:bodyPr vert="horz" lIns="91440" tIns="45720" rIns="91440" bIns="45720" rtlCol="0" anchor="b"/>
+          <a:lstStyle>
+            <a:lvl1pPr algn="r">
+              <a:defRPr sz="1200"/>
+            </a:lvl1pPr>
+          </a:lstStyle>
+          <a:p>
+            <a:fld id="{3D2E027B-1EFC-CA4B-AAD2-9421DDA3FFF7}" type="slidenum">
+              <a:rPr lang="en-US" smtClean="0"/>
+              <a:t>‹#›</a:t>
+            </a:fld>
+            <a:endParaRPr lang="en-US"/>
+          </a:p>
+        </p:txBody>
+      </p:sp>
+    </p:spTree>
+    <p:extLst>
+      <p:ext uri="{BB962C8B-B14F-4D97-AF65-F5344CB8AC3E}">
+        <p14:creationId xmlns:p14="http://schemas.microsoft.com/office/powerpoint/2010/main" val="1332913787"/>
+      </p:ext>
+    </p:extLst>
+  </p:cSld>
+  <p:clrMap bg1="lt1" tx1="dk1" bg2="lt2" tx2="dk2" accent1="accent1" accent2="accent2" accent3="accent3" accent4="accent4" accent5="accent5" accent6="accent6" hlink="hlink" folHlink="folHlink"/>
+  <p:notesStyle>
+    <a:lvl1pPr marL="0" algn="l" defTabSz="914400" rtl="0" eaLnBrk="1" latinLnBrk="0" hangingPunct="1">
+      <a:defRPr sz="1200" kern="1200">
+        <a:solidFill>
+          <a:schemeClr val="tx1"/>
+        </a:solidFill>
+        <a:latin typeface="+mn-lt"/>
+        <a:ea typeface="+mn-ea"/>
+        <a:cs typeface="+mn-cs"/>
+      </a:defRPr>
+    </a:lvl1pPr>
+    <a:lvl2pPr marL="457200" algn="l" defTabSz="914400" rtl="0" eaLnBrk="1" latinLnBrk="0" hangingPunct="1">
+      <a:defRPr sz="1200" kern="1200">
+        <a:solidFill>
+          <a:schemeClr val="tx1"/>
+        </a:solidFill>
+        <a:latin typeface="+mn-lt"/>
+        <a:ea typeface="+mn-ea"/>
+        <a:cs typeface="+mn-cs"/>
+      </a:defRPr>
+    </a:lvl2pPr>
+    <a:lvl3pPr marL="914400" algn="l" defTabSz="914400" rtl="0" eaLnBrk="1" latinLnBrk="0" hangingPunct="1">
+      <a:defRPr sz="1200" kern="1200">
+        <a:solidFill>
+          <a:schemeClr val="tx1"/>
+        </a:solidFill>
+        <a:latin typeface="+mn-lt"/>
+        <a:ea typeface="+mn-ea"/>
+        <a:cs typeface="+mn-cs"/>
+      </a:defRPr>
+    </a:lvl3pPr>
+    <a:lvl4pPr marL="1371600" algn="l" defTabSz="914400" rtl="0" eaLnBrk="1" latinLnBrk="0" hangingPunct="1">
+      <a:defRPr sz="1200" kern="1200">
+        <a:solidFill>
+          <a:schemeClr val="tx1"/>
+        </a:solidFill>
+        <a:latin typeface="+mn-lt"/>
+        <a:ea typeface="+mn-ea"/>
+        <a:cs typeface="+mn-cs"/>
+      </a:defRPr>
+    </a:lvl4pPr>
+    <a:lvl5pPr marL="1828800" algn="l" defTabSz="914400" rtl="0" eaLnBrk="1" latinLnBrk="0" hangingPunct="1">
+      <a:defRPr sz="1200" kern="1200">
+        <a:solidFill>
+          <a:schemeClr val="tx1"/>
+        </a:solidFill>
+        <a:latin typeface="+mn-lt"/>
+        <a:ea typeface="+mn-ea"/>
+        <a:cs typeface="+mn-cs"/>
+      </a:defRPr>
+    </a:lvl5pPr>
+    <a:lvl6pPr marL="2286000" algn="l" defTabSz="914400" rtl="0" eaLnBrk="1" latinLnBrk="0" hangingPunct="1">
+      <a:defRPr sz="1200" kern="1200">
+        <a:solidFill>
+          <a:schemeClr val="tx1"/>
+        </a:solidFill>
+        <a:latin typeface="+mn-lt"/>
+        <a:ea typeface="+mn-ea"/>
+        <a:cs typeface="+mn-cs"/>
+      </a:defRPr>
+    </a:lvl6pPr>
+    <a:lvl7pPr marL="2743200" algn="l" defTabSz="914400" rtl="0" eaLnBrk="1" latinLnBrk="0" hangingPunct="1">
+      <a:defRPr sz="1200" kern="1200">
+        <a:solidFill>
+          <a:schemeClr val="tx1"/>
+        </a:solidFill>
+        <a:latin typeface="+mn-lt"/>
+        <a:ea typeface="+mn-ea"/>
+        <a:cs typeface="+mn-cs"/>
+      </a:defRPr>
+    </a:lvl7pPr>
+    <a:lvl8pPr marL="3200400" algn="l" defTabSz="914400" rtl="0" eaLnBrk="1" latinLnBrk="0" hangingPunct="1">
+      <a:defRPr sz="1200" kern="1200">
+        <a:solidFill>
+          <a:schemeClr val="tx1"/>
+        </a:solidFill>
+        <a:latin typeface="+mn-lt"/>
+        <a:ea typeface="+mn-ea"/>
+        <a:cs typeface="+mn-cs"/>
+      </a:defRPr>
+    </a:lvl8pPr>
+    <a:lvl9pPr marL="3657600" algn="l" defTabSz="914400" rtl="0" eaLnBrk="1" latinLnBrk="0" hangingPunct="1">
+      <a:defRPr sz="1200" kern="1200">
+        <a:solidFill>
+          <a:schemeClr val="tx1"/>
+        </a:solidFill>
+        <a:latin typeface="+mn-lt"/>
+        <a:ea typeface="+mn-ea"/>
+        <a:cs typeface="+mn-cs"/>
+      </a:defRPr>
+    </a:lvl9pPr>
+  </p:notesStyle>
+</p:notesMaster>
+</file>
+
+<file path=ppt/notesSlides/notesSlide1.xml><?xml version="1.0" encoding="utf-8"?>
+<p:notes xmlns:a="http://schemas.openxmlformats.org/drawingml/2006/main" xmlns:r="http://schemas.openxmlformats.org/officeDocument/2006/relationships" xmlns:p="http://schemas.openxmlformats.org/presentationml/2006/main">
+  <p:cSld>
+    <p:spTree>
+      <p:nvGrpSpPr>
+        <p:cNvPr id="1" name=""/>
+        <p:cNvGrpSpPr/>
+        <p:nvPr/>
+      </p:nvGrpSpPr>
+      <p:grpSpPr>
+        <a:xfrm>
+          <a:off x="0" y="0"/>
+          <a:ext cx="0" cy="0"/>
+          <a:chOff x="0" y="0"/>
+          <a:chExt cx="0" cy="0"/>
+        </a:xfrm>
+      </p:grpSpPr>
+      <p:sp>
+        <p:nvSpPr>
+          <p:cNvPr id="2" name="Slide Image Placeholder 1"/>
+          <p:cNvSpPr>
+            <a:spLocks noGrp="1" noRot="1" noChangeAspect="1"/>
+          </p:cNvSpPr>
+          <p:nvPr>
+            <p:ph type="sldImg"/>
+          </p:nvPr>
+        </p:nvSpPr>
+        <p:spPr/>
+      </p:sp>
+      <p:sp>
+        <p:nvSpPr>
+          <p:cNvPr id="3" name="Notes Placeholder 2"/>
+          <p:cNvSpPr>
+            <a:spLocks noGrp="1"/>
+          </p:cNvSpPr>
+          <p:nvPr>
+            <p:ph type="body" idx="1"/>
+          </p:nvPr>
+        </p:nvSpPr>
+        <p:spPr/>
+        <p:txBody>
+          <a:bodyPr/>
+          <a:lstStyle/>
+          <a:p>
+            <a:endParaRPr lang="en-US" dirty="0"/>
+          </a:p>
+        </p:txBody>
+      </p:sp>
+      <p:sp>
+        <p:nvSpPr>
+          <p:cNvPr id="4" name="Slide Number Placeholder 3"/>
+          <p:cNvSpPr>
+            <a:spLocks noGrp="1"/>
+          </p:cNvSpPr>
+          <p:nvPr>
+            <p:ph type="sldNum" sz="quarter" idx="5"/>
+          </p:nvPr>
+        </p:nvSpPr>
+        <p:spPr/>
+        <p:txBody>
+          <a:bodyPr/>
+          <a:lstStyle/>
+          <a:p>
+            <a:fld id="{3D2E027B-1EFC-CA4B-AAD2-9421DDA3FFF7}" type="slidenum">
+              <a:rPr lang="en-US" smtClean="0"/>
+              <a:t>7</a:t>
+            </a:fld>
+            <a:endParaRPr lang="en-US"/>
+          </a:p>
+        </p:txBody>
+      </p:sp>
+    </p:spTree>
+    <p:extLst>
+      <p:ext uri="{BB962C8B-B14F-4D97-AF65-F5344CB8AC3E}">
+        <p14:creationId xmlns:p14="http://schemas.microsoft.com/office/powerpoint/2010/main" val="355681554"/>
+      </p:ext>
+    </p:extLst>
+  </p:cSld>
+  <p:clrMapOvr>
+    <a:masterClrMapping/>
+  </p:clrMapOvr>
+</p:notes>
 </file>
 
 <file path=ppt/slideLayouts/slideLayout1.xml><?xml version="1.0" encoding="utf-8"?>
@@ -4161,8 +4532,8 @@
         </p:nvSpPr>
         <p:spPr>
           <a:xfrm>
-            <a:off x="498765" y="722123"/>
-            <a:ext cx="11443853" cy="659958"/>
+            <a:off x="374073" y="-182879"/>
+            <a:ext cx="11443853" cy="2431228"/>
           </a:xfrm>
         </p:spPr>
         <p:txBody>
@@ -4171,16 +4542,53 @@
           </a:bodyPr>
           <a:lstStyle/>
           <a:p>
-            <a:pPr algn="l"/>
-            <a:r>
-              <a:rPr lang="en-GB" sz="1800" b="1" kern="100" dirty="0">
-                <a:latin typeface="Arial Black" panose="020B0A04020102020204" pitchFamily="34" charset="0"/>
+            <a:pPr algn="l">
+              <a:lnSpc>
+                <a:spcPct val="150000"/>
+              </a:lnSpc>
+            </a:pPr>
+            <a:r>
+              <a:rPr lang="en-GB" sz="2000" b="1" kern="100" dirty="0">
+                <a:latin typeface="Calibri" panose="020F0502020204030204" pitchFamily="34" charset="0"/>
                 <a:ea typeface="Aptos" panose="020B0004020202020204" pitchFamily="34" charset="0"/>
-                <a:cs typeface="Times New Roman" panose="02020603050405020304" pitchFamily="18" charset="0"/>
+                <a:cs typeface="Calibri" panose="020F0502020204030204" pitchFamily="34" charset="0"/>
               </a:rPr>
-              <a:t>BAG OF WORDS DOCUMENT CLASSIFICATION USING FEED FORWARD NEURAL NETWORK AND RECURRENT NEURAL NETWORK</a:t>
-            </a:r>
-            <a:endParaRPr lang="nb-NO" sz="1800" dirty="0"/>
+              <a:t>BAG OF WORDS DOCUMENT CLASSIFICATION </a:t>
+            </a:r>
+            <a:br>
+              <a:rPr lang="en-GB" sz="2000" b="1" kern="100" dirty="0">
+                <a:latin typeface="Calibri" panose="020F0502020204030204" pitchFamily="34" charset="0"/>
+                <a:ea typeface="Aptos" panose="020B0004020202020204" pitchFamily="34" charset="0"/>
+                <a:cs typeface="Calibri" panose="020F0502020204030204" pitchFamily="34" charset="0"/>
+              </a:rPr>
+            </a:br>
+            <a:r>
+              <a:rPr lang="en-GB" sz="2000" b="1" kern="100" dirty="0">
+                <a:latin typeface="Calibri" panose="020F0502020204030204" pitchFamily="34" charset="0"/>
+                <a:ea typeface="Aptos" panose="020B0004020202020204" pitchFamily="34" charset="0"/>
+                <a:cs typeface="Calibri" panose="020F0502020204030204" pitchFamily="34" charset="0"/>
+              </a:rPr>
+              <a:t>USING FEED FORWARD NEURAL NETWORK </a:t>
+            </a:r>
+            <a:br>
+              <a:rPr lang="en-GB" sz="2000" b="1" kern="100" dirty="0">
+                <a:latin typeface="Calibri" panose="020F0502020204030204" pitchFamily="34" charset="0"/>
+                <a:ea typeface="Aptos" panose="020B0004020202020204" pitchFamily="34" charset="0"/>
+                <a:cs typeface="Calibri" panose="020F0502020204030204" pitchFamily="34" charset="0"/>
+              </a:rPr>
+            </a:br>
+            <a:r>
+              <a:rPr lang="en-GB" sz="2000" b="1" kern="100" dirty="0">
+                <a:latin typeface="Calibri" panose="020F0502020204030204" pitchFamily="34" charset="0"/>
+                <a:ea typeface="Aptos" panose="020B0004020202020204" pitchFamily="34" charset="0"/>
+                <a:cs typeface="Calibri" panose="020F0502020204030204" pitchFamily="34" charset="0"/>
+              </a:rPr>
+              <a:t>AND RECURRENT NEURAL NETWORK</a:t>
+            </a:r>
+            <a:endParaRPr lang="nb-NO" sz="2000" dirty="0">
+              <a:latin typeface="Calibri" panose="020F0502020204030204" pitchFamily="34" charset="0"/>
+              <a:cs typeface="Calibri" panose="020F0502020204030204" pitchFamily="34" charset="0"/>
+            </a:endParaRPr>
           </a:p>
         </p:txBody>
       </p:sp>
@@ -4202,7 +4610,7 @@
         </p:nvSpPr>
         <p:spPr>
           <a:xfrm>
-            <a:off x="1057523" y="3792772"/>
+            <a:off x="702521" y="3429000"/>
             <a:ext cx="4738978" cy="1932168"/>
           </a:xfrm>
         </p:spPr>
@@ -4215,11 +4623,9 @@
             <a:r>
               <a:rPr lang="en-GB" sz="2000" b="1" i="1" dirty="0">
                 <a:solidFill>
-                  <a:schemeClr val="tx1">
-                    <a:lumMod val="95000"/>
-                  </a:schemeClr>
-                </a:solidFill>
-                <a:latin typeface="Arial" panose="020B0604020202020204" pitchFamily="34" charset="0"/>
+                  <a:schemeClr val="bg1"/>
+                </a:solidFill>
+                <a:latin typeface="+mj-lt"/>
                 <a:cs typeface="Arial" panose="020B0604020202020204" pitchFamily="34" charset="0"/>
               </a:rPr>
               <a:t>Group 9</a:t>
@@ -4227,22 +4633,18 @@
             <a:r>
               <a:rPr lang="nb-NO" sz="2000" b="1" i="1" dirty="0">
                 <a:solidFill>
-                  <a:schemeClr val="tx1">
-                    <a:lumMod val="95000"/>
-                  </a:schemeClr>
-                </a:solidFill>
-                <a:latin typeface="Arial" panose="020B0604020202020204" pitchFamily="34" charset="0"/>
+                  <a:schemeClr val="bg1"/>
+                </a:solidFill>
+                <a:latin typeface="+mj-lt"/>
                 <a:cs typeface="Arial" panose="020B0604020202020204" pitchFamily="34" charset="0"/>
               </a:rPr>
               <a:t>:</a:t>
             </a:r>
             <a:endParaRPr lang="en-GB" sz="2000" b="1" i="1" dirty="0">
               <a:solidFill>
-                <a:schemeClr val="tx1">
-                  <a:lumMod val="95000"/>
-                </a:schemeClr>
+                <a:schemeClr val="bg1"/>
               </a:solidFill>
-              <a:latin typeface="Arial" panose="020B0604020202020204" pitchFamily="34" charset="0"/>
+              <a:latin typeface="+mj-lt"/>
               <a:cs typeface="Arial" panose="020B0604020202020204" pitchFamily="34" charset="0"/>
             </a:endParaRPr>
           </a:p>
@@ -4254,11 +4656,8 @@
             <a:r>
               <a:rPr lang="en-GB" sz="2000" b="1" i="1" dirty="0">
                 <a:solidFill>
-                  <a:schemeClr val="tx1">
-                    <a:lumMod val="95000"/>
-                  </a:schemeClr>
-                </a:solidFill>
-                <a:latin typeface="Arial" panose="020B0604020202020204" pitchFamily="34" charset="0"/>
+                  <a:schemeClr val="bg1"/>
+                </a:solidFill>
                 <a:cs typeface="Arial" panose="020B0604020202020204" pitchFamily="34" charset="0"/>
               </a:rPr>
               <a:t>Ali Shokri</a:t>
@@ -4272,14 +4671,29 @@
             <a:r>
               <a:rPr lang="en-GB" sz="2000" b="1" i="1" dirty="0">
                 <a:solidFill>
-                  <a:schemeClr val="tx1">
-                    <a:lumMod val="95000"/>
-                  </a:schemeClr>
-                </a:solidFill>
-                <a:latin typeface="Arial" panose="020B0604020202020204" pitchFamily="34" charset="0"/>
+                  <a:schemeClr val="bg1"/>
+                </a:solidFill>
                 <a:cs typeface="Arial" panose="020B0604020202020204" pitchFamily="34" charset="0"/>
               </a:rPr>
-              <a:t>Sahar Kadkhoda Masoum Ali </a:t>
+              <a:t>Sahar Kadkhoda </a:t>
+            </a:r>
+            <a:r>
+              <a:rPr lang="en-GB" sz="2000" b="1" i="1" dirty="0" err="1">
+                <a:solidFill>
+                  <a:schemeClr val="bg1"/>
+                </a:solidFill>
+                <a:cs typeface="Arial" panose="020B0604020202020204" pitchFamily="34" charset="0"/>
+              </a:rPr>
+              <a:t>Masoum</a:t>
+            </a:r>
+            <a:r>
+              <a:rPr lang="en-GB" sz="2000" b="1" i="1" dirty="0">
+                <a:solidFill>
+                  <a:schemeClr val="bg1"/>
+                </a:solidFill>
+                <a:cs typeface="Arial" panose="020B0604020202020204" pitchFamily="34" charset="0"/>
+              </a:rPr>
+              <a:t> Ali </a:t>
             </a:r>
           </a:p>
           <a:p>
@@ -4290,11 +4704,8 @@
             <a:r>
               <a:rPr lang="en-GB" sz="2000" b="1" i="1" dirty="0">
                 <a:solidFill>
-                  <a:schemeClr val="tx1">
-                    <a:lumMod val="95000"/>
-                  </a:schemeClr>
-                </a:solidFill>
-                <a:latin typeface="Arial" panose="020B0604020202020204" pitchFamily="34" charset="0"/>
+                  <a:schemeClr val="bg1"/>
+                </a:solidFill>
                 <a:cs typeface="Arial" panose="020B0604020202020204" pitchFamily="34" charset="0"/>
               </a:rPr>
               <a:t>Yemisi Teju </a:t>
@@ -4302,16 +4713,17 @@
             <a:r>
               <a:rPr lang="en-GB" sz="2000" b="1" i="1" dirty="0" err="1">
                 <a:solidFill>
-                  <a:schemeClr val="tx1">
-                    <a:lumMod val="95000"/>
-                  </a:schemeClr>
-                </a:solidFill>
-                <a:latin typeface="Arial" panose="020B0604020202020204" pitchFamily="34" charset="0"/>
+                  <a:schemeClr val="bg1"/>
+                </a:solidFill>
                 <a:cs typeface="Arial" panose="020B0604020202020204" pitchFamily="34" charset="0"/>
               </a:rPr>
               <a:t>Olasoji</a:t>
             </a:r>
-            <a:endParaRPr lang="nb-NO" sz="2000" dirty="0"/>
+            <a:endParaRPr lang="nb-NO" sz="2000" dirty="0">
+              <a:solidFill>
+                <a:schemeClr val="bg1"/>
+              </a:solidFill>
+            </a:endParaRPr>
           </a:p>
         </p:txBody>
       </p:sp>
@@ -4363,7 +4775,7 @@
         </p:nvSpPr>
         <p:spPr>
           <a:xfrm>
-            <a:off x="1936225" y="689113"/>
+            <a:off x="1936225" y="782246"/>
             <a:ext cx="8596668" cy="670560"/>
           </a:xfrm>
         </p:spPr>
@@ -4373,8 +4785,8 @@
           <a:p>
             <a:pPr algn="ctr"/>
             <a:r>
-              <a:rPr lang="en-US" dirty="0" err="1"/>
-              <a:t>IntroduCtion</a:t>
+              <a:rPr lang="en-US"/>
+              <a:t>Introduction</a:t>
             </a:r>
             <a:endParaRPr lang="nb-NO" dirty="0"/>
           </a:p>
@@ -4420,7 +4832,7 @@
                 <a:solidFill>
                   <a:schemeClr val="tx1"/>
                 </a:solidFill>
-                <a:latin typeface="Aptos" panose="020B0004020202020204" pitchFamily="34" charset="0"/>
+                <a:latin typeface="+mj-lt"/>
                 <a:cs typeface="Times New Roman" panose="02020603050405020304" pitchFamily="18" charset="0"/>
               </a:rPr>
               <a:t>AIMS OF THE PROJECT:</a:t>
@@ -4430,7 +4842,7 @@
                 <a:solidFill>
                   <a:schemeClr val="tx1"/>
                 </a:solidFill>
-                <a:latin typeface="Aptos" panose="020B0004020202020204" pitchFamily="34" charset="0"/>
+                <a:latin typeface="+mj-lt"/>
                 <a:cs typeface="Times New Roman" panose="02020603050405020304" pitchFamily="18" charset="0"/>
               </a:rPr>
             </a:br>
@@ -4439,7 +4851,7 @@
                 <a:solidFill>
                   <a:schemeClr val="tx1"/>
                 </a:solidFill>
-                <a:latin typeface="Aptos" panose="020B0004020202020204" pitchFamily="34" charset="0"/>
+                <a:latin typeface="+mj-lt"/>
                 <a:cs typeface="Times New Roman" panose="02020603050405020304" pitchFamily="18" charset="0"/>
               </a:rPr>
               <a:t>The goal is to train a simple feed-forward neural network and Recurrent Neural Network for document classification, focusing on various configurations of bags-of words features(count vectorizer and TF-IDF) with </a:t>
@@ -4449,7 +4861,7 @@
                 <a:solidFill>
                   <a:schemeClr val="tx1"/>
                 </a:solidFill>
-                <a:latin typeface="Aptos" panose="020B0004020202020204" pitchFamily="34" charset="0"/>
+                <a:latin typeface="+mj-lt"/>
                 <a:cs typeface="Times New Roman" panose="02020603050405020304" pitchFamily="18" charset="0"/>
               </a:rPr>
               <a:t>Pytorch</a:t>
@@ -4459,7 +4871,7 @@
                 <a:solidFill>
                   <a:schemeClr val="tx1"/>
                 </a:solidFill>
-                <a:latin typeface="Aptos" panose="020B0004020202020204" pitchFamily="34" charset="0"/>
+                <a:latin typeface="+mj-lt"/>
                 <a:cs typeface="Times New Roman" panose="02020603050405020304" pitchFamily="18" charset="0"/>
               </a:rPr>
               <a:t> as the machine learning framework.</a:t>
@@ -4478,7 +4890,7 @@
                 <a:solidFill>
                   <a:schemeClr val="tx1"/>
                 </a:solidFill>
-                <a:latin typeface="Aptos" panose="020B0004020202020204" pitchFamily="34" charset="0"/>
+                <a:latin typeface="+mj-lt"/>
                 <a:cs typeface="Times New Roman" panose="02020603050405020304" pitchFamily="18" charset="0"/>
               </a:rPr>
               <a:t>BACKGROUND KNOWLEDGE</a:t>
@@ -4495,7 +4907,7 @@
                 <a:solidFill>
                   <a:schemeClr val="tx1"/>
                 </a:solidFill>
-                <a:latin typeface="Aptos" panose="020B0004020202020204" pitchFamily="34" charset="0"/>
+                <a:latin typeface="+mj-lt"/>
                 <a:cs typeface="Times New Roman" panose="02020603050405020304" pitchFamily="18" charset="0"/>
               </a:rPr>
               <a:t>Dataset: Consists of two text columns, "Abstract" and "Field“ of scientific articles in English, containing the article abstracts and the field of the research (10 subcategories of computer science, physics, and math are considered)</a:t>
@@ -4513,10 +4925,30 @@
                 <a:solidFill>
                   <a:schemeClr val="tx1"/>
                 </a:solidFill>
-                <a:latin typeface="Aptos" panose="020B0004020202020204" pitchFamily="34" charset="0"/>
+                <a:latin typeface="+mj-lt"/>
                 <a:cs typeface="Times New Roman" panose="02020603050405020304" pitchFamily="18" charset="0"/>
               </a:rPr>
-              <a:t>      Data Cleaning and Preprocessing: Due cleaning were performed to make it ready for feeding into a machine learning algorithm. This includes Tokenization, Removal of stop words, Lemmatization etc</a:t>
+              <a:t>      Data Cleaning and </a:t>
+            </a:r>
+            <a:r>
+              <a:rPr lang="en-GB" sz="2100" dirty="0" err="1">
+                <a:solidFill>
+                  <a:schemeClr val="tx1"/>
+                </a:solidFill>
+                <a:latin typeface="+mj-lt"/>
+                <a:cs typeface="Times New Roman" panose="02020603050405020304" pitchFamily="18" charset="0"/>
+              </a:rPr>
+              <a:t>Preprocessing</a:t>
+            </a:r>
+            <a:r>
+              <a:rPr lang="en-GB" sz="2100" dirty="0">
+                <a:solidFill>
+                  <a:schemeClr val="tx1"/>
+                </a:solidFill>
+                <a:latin typeface="+mj-lt"/>
+                <a:cs typeface="Times New Roman" panose="02020603050405020304" pitchFamily="18" charset="0"/>
+              </a:rPr>
+              <a:t>: Due cleaning were performed to make it ready for feeding into a machine learning algorithm. This includes Tokenization, Removal of stop words, Lemmatization etc</a:t>
             </a:r>
           </a:p>
           <a:p>
@@ -4530,7 +4962,7 @@
                 <a:solidFill>
                   <a:schemeClr val="tx1"/>
                 </a:solidFill>
-                <a:latin typeface="Aptos" panose="020B0004020202020204" pitchFamily="34" charset="0"/>
+                <a:latin typeface="+mj-lt"/>
                 <a:cs typeface="Times New Roman" panose="02020603050405020304" pitchFamily="18" charset="0"/>
               </a:rPr>
               <a:t>Feature extraction: Training a classifier to forecast a paper's field based on its abstract by converting abstracts into feature vectors using the bags-of-words representation technique i.e. </a:t>
@@ -4548,7 +4980,7 @@
                 <a:solidFill>
                   <a:schemeClr val="tx1"/>
                 </a:solidFill>
-                <a:latin typeface="Aptos" panose="020B0004020202020204" pitchFamily="34" charset="0"/>
+                <a:latin typeface="+mj-lt"/>
                 <a:cs typeface="Times New Roman" panose="02020603050405020304" pitchFamily="18" charset="0"/>
               </a:rPr>
               <a:t>            • </a:t>
@@ -4558,7 +4990,7 @@
                 <a:solidFill>
                   <a:schemeClr val="tx1"/>
                 </a:solidFill>
-                <a:latin typeface="Aptos" panose="020B0004020202020204" pitchFamily="34" charset="0"/>
+                <a:latin typeface="+mj-lt"/>
                 <a:cs typeface="Times New Roman" panose="02020603050405020304" pitchFamily="18" charset="0"/>
               </a:rPr>
               <a:t>CountVectorizer</a:t>
@@ -4568,7 +5000,7 @@
                 <a:solidFill>
                   <a:schemeClr val="tx1"/>
                 </a:solidFill>
-                <a:latin typeface="Aptos" panose="020B0004020202020204" pitchFamily="34" charset="0"/>
+                <a:latin typeface="+mj-lt"/>
                 <a:cs typeface="Times New Roman" panose="02020603050405020304" pitchFamily="18" charset="0"/>
               </a:rPr>
               <a:t>      • TF-IDF</a:t>
@@ -4585,7 +5017,7 @@
                 <a:solidFill>
                   <a:schemeClr val="tx1"/>
                 </a:solidFill>
-                <a:latin typeface="Aptos" panose="020B0004020202020204" pitchFamily="34" charset="0"/>
+                <a:latin typeface="+mj-lt"/>
                 <a:cs typeface="Times New Roman" panose="02020603050405020304" pitchFamily="18" charset="0"/>
               </a:rPr>
               <a:t>Neural Network Architecture: Experiments were carried out using the FFNN and RNN with varying hyperparameters like different number of layers and  activation functions</a:t>
@@ -4603,15 +5035,19 @@
                 <a:solidFill>
                   <a:schemeClr val="tx1"/>
                 </a:solidFill>
-                <a:latin typeface="Aptos" panose="020B0004020202020204" pitchFamily="34" charset="0"/>
+                <a:latin typeface="+mj-lt"/>
                 <a:cs typeface="Times New Roman" panose="02020603050405020304" pitchFamily="18" charset="0"/>
               </a:rPr>
               <a:t>            • Number of layers    • Activation functions</a:t>
             </a:r>
             <a:br>
-              <a:rPr lang="en-GB" sz="1800" b="1" i="1" dirty="0"/>
+              <a:rPr lang="en-GB" sz="1800" b="1" i="1" dirty="0">
+                <a:latin typeface="+mj-lt"/>
+              </a:rPr>
             </a:br>
-            <a:endParaRPr lang="nb-NO" dirty="0"/>
+            <a:endParaRPr lang="nb-NO" dirty="0">
+              <a:latin typeface="+mj-lt"/>
+            </a:endParaRPr>
           </a:p>
         </p:txBody>
       </p:sp>
@@ -4663,7 +5099,7 @@
         </p:nvSpPr>
         <p:spPr>
           <a:xfrm>
-            <a:off x="1936225" y="689113"/>
+            <a:off x="1797666" y="819793"/>
             <a:ext cx="8596668" cy="670560"/>
           </a:xfrm>
         </p:spPr>
@@ -4673,10 +5109,14 @@
           <a:p>
             <a:pPr algn="ctr"/>
             <a:r>
-              <a:rPr lang="en-US" dirty="0"/>
+              <a:rPr lang="en-US" dirty="0">
+                <a:cs typeface="Al Bayan Plain" pitchFamily="2" charset="-78"/>
+              </a:rPr>
               <a:t>Feed Forward Neural Network</a:t>
             </a:r>
-            <a:endParaRPr lang="nb-NO" dirty="0"/>
+            <a:endParaRPr lang="nb-NO" dirty="0">
+              <a:cs typeface="Al Bayan Plain" pitchFamily="2" charset="-78"/>
+            </a:endParaRPr>
           </a:p>
         </p:txBody>
       </p:sp>
@@ -4714,7 +5154,9 @@
               </a:lnSpc>
             </a:pPr>
             <a:r>
-              <a:rPr lang="nb-NO" dirty="0"/>
+              <a:rPr lang="nb-NO" dirty="0">
+                <a:cs typeface="Al Bayan Plain" pitchFamily="2" charset="-78"/>
+              </a:rPr>
               <a:t>Model Architecture</a:t>
             </a:r>
           </a:p>
@@ -4727,14 +5169,20 @@
               <a:buChar char="§"/>
             </a:pPr>
             <a:r>
-              <a:rPr lang="nb-NO" dirty="0"/>
-              <a:t> Input </a:t>
-            </a:r>
-            <a:r>
-              <a:rPr lang="nb-NO" dirty="0" err="1"/>
+              <a:rPr lang="nb-NO" dirty="0">
+                <a:cs typeface="Al Bayan Plain" pitchFamily="2" charset="-78"/>
+              </a:rPr>
+              <a:t>Input </a:t>
+            </a:r>
+            <a:r>
+              <a:rPr lang="nb-NO" dirty="0" err="1">
+                <a:cs typeface="Al Bayan Plain" pitchFamily="2" charset="-78"/>
+              </a:rPr>
               <a:t>Layer</a:t>
             </a:r>
-            <a:endParaRPr lang="nb-NO" dirty="0"/>
+            <a:endParaRPr lang="nb-NO" dirty="0">
+              <a:cs typeface="Al Bayan Plain" pitchFamily="2" charset="-78"/>
+            </a:endParaRPr>
           </a:p>
           <a:p>
             <a:pPr marL="285750" indent="-285750">
@@ -4745,18 +5193,26 @@
               <a:buChar char="§"/>
             </a:pPr>
             <a:r>
-              <a:rPr lang="nb-NO" dirty="0" err="1"/>
+              <a:rPr lang="nb-NO" dirty="0" err="1">
+                <a:cs typeface="Al Bayan Plain" pitchFamily="2" charset="-78"/>
+              </a:rPr>
               <a:t>Hidden</a:t>
             </a:r>
             <a:r>
-              <a:rPr lang="nb-NO" dirty="0"/>
+              <a:rPr lang="nb-NO" dirty="0">
+                <a:cs typeface="Al Bayan Plain" pitchFamily="2" charset="-78"/>
+              </a:rPr>
               <a:t> </a:t>
             </a:r>
             <a:r>
-              <a:rPr lang="nb-NO" dirty="0" err="1"/>
+              <a:rPr lang="nb-NO" dirty="0" err="1">
+                <a:cs typeface="Al Bayan Plain" pitchFamily="2" charset="-78"/>
+              </a:rPr>
               <a:t>Layers</a:t>
             </a:r>
-            <a:endParaRPr lang="nb-NO" dirty="0"/>
+            <a:endParaRPr lang="nb-NO" dirty="0">
+              <a:cs typeface="Al Bayan Plain" pitchFamily="2" charset="-78"/>
+            </a:endParaRPr>
           </a:p>
           <a:p>
             <a:pPr marL="285750" indent="-285750">
@@ -4767,25 +5223,25 @@
               <a:buChar char="§"/>
             </a:pPr>
             <a:r>
-              <a:rPr lang="nb-NO" dirty="0"/>
-              <a:t>Out </a:t>
-            </a:r>
-            <a:r>
-              <a:rPr lang="nb-NO" dirty="0" err="1"/>
-              <a:t>put</a:t>
-            </a:r>
-            <a:r>
-              <a:rPr lang="nb-NO" dirty="0"/>
-              <a:t> </a:t>
-            </a:r>
-            <a:r>
-              <a:rPr lang="nb-NO" dirty="0" err="1"/>
+              <a:rPr lang="nb-NO" dirty="0">
+                <a:cs typeface="Al Bayan Plain" pitchFamily="2" charset="-78"/>
+              </a:rPr>
+              <a:t>Output </a:t>
+            </a:r>
+            <a:r>
+              <a:rPr lang="nb-NO" dirty="0" err="1">
+                <a:cs typeface="Al Bayan Plain" pitchFamily="2" charset="-78"/>
+              </a:rPr>
               <a:t>Layers</a:t>
             </a:r>
-            <a:endParaRPr lang="nb-NO" dirty="0"/>
-          </a:p>
-          <a:p>
-            <a:endParaRPr lang="nb-NO" dirty="0"/>
+            <a:endParaRPr lang="nb-NO" dirty="0">
+              <a:cs typeface="Al Bayan Plain" pitchFamily="2" charset="-78"/>
+            </a:endParaRPr>
+          </a:p>
+          <a:p>
+            <a:endParaRPr lang="nb-NO" dirty="0">
+              <a:cs typeface="Al Bayan Plain" pitchFamily="2" charset="-78"/>
+            </a:endParaRPr>
           </a:p>
         </p:txBody>
       </p:sp>
@@ -4823,31 +5279,45 @@
               </a:lnSpc>
             </a:pPr>
             <a:r>
-              <a:rPr lang="nb-NO" dirty="0"/>
+              <a:rPr lang="nb-NO" dirty="0">
+                <a:cs typeface="Al Bayan Plain" pitchFamily="2" charset="-78"/>
+              </a:rPr>
               <a:t>Evaluation </a:t>
             </a:r>
             <a:r>
-              <a:rPr lang="nb-NO" dirty="0" err="1"/>
+              <a:rPr lang="nb-NO" dirty="0" err="1">
+                <a:cs typeface="Al Bayan Plain" pitchFamily="2" charset="-78"/>
+              </a:rPr>
               <a:t>of</a:t>
             </a:r>
             <a:r>
-              <a:rPr lang="nb-NO" dirty="0"/>
+              <a:rPr lang="nb-NO" dirty="0">
+                <a:cs typeface="Al Bayan Plain" pitchFamily="2" charset="-78"/>
+              </a:rPr>
               <a:t> </a:t>
             </a:r>
             <a:r>
-              <a:rPr lang="nb-NO" dirty="0" err="1"/>
+              <a:rPr lang="nb-NO" dirty="0" err="1">
+                <a:cs typeface="Al Bayan Plain" pitchFamily="2" charset="-78"/>
+              </a:rPr>
               <a:t>the</a:t>
             </a:r>
             <a:r>
-              <a:rPr lang="nb-NO" dirty="0"/>
+              <a:rPr lang="nb-NO" dirty="0">
+                <a:cs typeface="Al Bayan Plain" pitchFamily="2" charset="-78"/>
+              </a:rPr>
               <a:t> </a:t>
             </a:r>
             <a:r>
-              <a:rPr lang="nb-NO" dirty="0" err="1"/>
+              <a:rPr lang="nb-NO" dirty="0" err="1">
+                <a:cs typeface="Al Bayan Plain" pitchFamily="2" charset="-78"/>
+              </a:rPr>
               <a:t>model</a:t>
             </a:r>
             <a:r>
-              <a:rPr lang="nb-NO" dirty="0"/>
+              <a:rPr lang="nb-NO" dirty="0">
+                <a:cs typeface="Al Bayan Plain" pitchFamily="2" charset="-78"/>
+              </a:rPr>
               <a:t> by:</a:t>
             </a:r>
           </a:p>
@@ -4864,7 +5334,7 @@
                 <a:effectLst/>
                 <a:latin typeface="Aptos" panose="020B0004020202020204" pitchFamily="34" charset="0"/>
                 <a:ea typeface="Aptos" panose="020B0004020202020204" pitchFamily="34" charset="0"/>
-                <a:cs typeface="Times New Roman" panose="02020603050405020304" pitchFamily="18" charset="0"/>
+                <a:cs typeface="Al Bayan Plain" pitchFamily="2" charset="-78"/>
               </a:rPr>
               <a:t>Number of layers</a:t>
             </a:r>
@@ -4872,7 +5342,7 @@
               <a:effectLst/>
               <a:latin typeface="Aptos" panose="020B0004020202020204" pitchFamily="34" charset="0"/>
               <a:ea typeface="Aptos" panose="020B0004020202020204" pitchFamily="34" charset="0"/>
-              <a:cs typeface="Times New Roman" panose="02020603050405020304" pitchFamily="18" charset="0"/>
+              <a:cs typeface="Al Bayan Plain" pitchFamily="2" charset="-78"/>
             </a:endParaRPr>
           </a:p>
           <a:p>
@@ -4884,18 +5354,26 @@
               <a:buChar char="ü"/>
             </a:pPr>
             <a:r>
-              <a:rPr lang="nb-NO" dirty="0" err="1"/>
+              <a:rPr lang="nb-NO" dirty="0" err="1">
+                <a:cs typeface="Al Bayan Plain" pitchFamily="2" charset="-78"/>
+              </a:rPr>
               <a:t>Activation</a:t>
             </a:r>
             <a:r>
-              <a:rPr lang="nb-NO" dirty="0"/>
+              <a:rPr lang="nb-NO" dirty="0">
+                <a:cs typeface="Al Bayan Plain" pitchFamily="2" charset="-78"/>
+              </a:rPr>
               <a:t> </a:t>
             </a:r>
             <a:r>
-              <a:rPr lang="nb-NO" dirty="0" err="1"/>
+              <a:rPr lang="nb-NO" dirty="0" err="1">
+                <a:cs typeface="Al Bayan Plain" pitchFamily="2" charset="-78"/>
+              </a:rPr>
               <a:t>function</a:t>
             </a:r>
-            <a:endParaRPr lang="nb-NO" dirty="0"/>
+            <a:endParaRPr lang="nb-NO" dirty="0">
+              <a:cs typeface="Al Bayan Plain" pitchFamily="2" charset="-78"/>
+            </a:endParaRPr>
           </a:p>
           <a:p>
             <a:pPr marL="285750" indent="-285750">
@@ -4906,14 +5384,20 @@
               <a:buChar char="ü"/>
             </a:pPr>
             <a:r>
-              <a:rPr lang="nb-NO" dirty="0"/>
+              <a:rPr lang="nb-NO" dirty="0">
+                <a:cs typeface="Al Bayan Plain" pitchFamily="2" charset="-78"/>
+              </a:rPr>
               <a:t>Batch </a:t>
             </a:r>
             <a:r>
-              <a:rPr lang="nb-NO" dirty="0" err="1"/>
+              <a:rPr lang="nb-NO" dirty="0" err="1">
+                <a:cs typeface="Al Bayan Plain" pitchFamily="2" charset="-78"/>
+              </a:rPr>
               <a:t>size</a:t>
             </a:r>
-            <a:endParaRPr lang="nb-NO" dirty="0"/>
+            <a:endParaRPr lang="nb-NO" dirty="0">
+              <a:cs typeface="Al Bayan Plain" pitchFamily="2" charset="-78"/>
+            </a:endParaRPr>
           </a:p>
           <a:p>
             <a:pPr marL="285750" indent="-285750">
@@ -4924,24 +5408,28 @@
               <a:buChar char="ü"/>
             </a:pPr>
             <a:r>
-              <a:rPr lang="nb-NO" dirty="0" err="1"/>
+              <a:rPr lang="nb-NO" dirty="0" err="1">
+                <a:cs typeface="Al Bayan Plain" pitchFamily="2" charset="-78"/>
+              </a:rPr>
               <a:t>Regularization</a:t>
             </a:r>
-            <a:endParaRPr lang="nb-NO" dirty="0"/>
+            <a:endParaRPr lang="nb-NO" dirty="0">
+              <a:cs typeface="Al Bayan Plain" pitchFamily="2" charset="-78"/>
+            </a:endParaRPr>
           </a:p>
         </p:txBody>
       </p:sp>
       <p:pic>
         <p:nvPicPr>
-          <p:cNvPr id="1028" name="Picture 4" descr="Introduction to Feedforward Neural Networks | by Shalise S. Ayromloo, PhD |  Code Like A Girl">
+          <p:cNvPr id="3" name="Picture 2" descr="A diagram of a network&#10;&#10;Description automatically generated">
             <a:extLst>
               <a:ext uri="{FF2B5EF4-FFF2-40B4-BE49-F238E27FC236}">
-                <a16:creationId xmlns:a16="http://schemas.microsoft.com/office/drawing/2014/main" id="{000C2D73-E061-19E7-BF90-2B0EBF9822A7}"/>
+                <a16:creationId xmlns:a16="http://schemas.microsoft.com/office/drawing/2014/main" id="{0D7E0465-92ED-1FEF-1B08-06FE6B7D5228}"/>
               </a:ext>
             </a:extLst>
           </p:cNvPr>
           <p:cNvPicPr>
-            <a:picLocks noChangeAspect="1" noChangeArrowheads="1"/>
+            <a:picLocks noChangeAspect="1"/>
           </p:cNvPicPr>
           <p:nvPr/>
         </p:nvPicPr>
@@ -4953,29 +5441,18 @@
               </a:ext>
             </a:extLst>
           </a:blip>
-          <a:srcRect/>
           <a:stretch>
             <a:fillRect/>
           </a:stretch>
         </p:blipFill>
-        <p:spPr bwMode="auto">
+        <p:spPr>
           <a:xfrm>
-            <a:off x="5502302" y="2449002"/>
-            <a:ext cx="6158948" cy="3108380"/>
+            <a:off x="5335793" y="2538123"/>
+            <a:ext cx="6316006" cy="3443745"/>
           </a:xfrm>
           <a:prstGeom prst="rect">
             <a:avLst/>
           </a:prstGeom>
-          <a:noFill/>
-          <a:extLst>
-            <a:ext uri="{909E8E84-426E-40DD-AFC4-6F175D3DCCD1}">
-              <a14:hiddenFill xmlns:a14="http://schemas.microsoft.com/office/drawing/2010/main">
-                <a:solidFill>
-                  <a:srgbClr val="FFFFFF"/>
-                </a:solidFill>
-              </a14:hiddenFill>
-            </a:ext>
-          </a:extLst>
         </p:spPr>
       </p:pic>
     </p:spTree>
@@ -5059,27 +5536,7 @@
                   <a:schemeClr val="tx1"/>
                 </a:solidFill>
               </a:rPr>
-              <a:t> </a:t>
-            </a:r>
-            <a:r>
-              <a:rPr lang="nb-NO" dirty="0"/>
-              <a:t>Count </a:t>
-            </a:r>
-            <a:r>
-              <a:rPr lang="nb-NO" dirty="0" err="1"/>
-              <a:t>vectorizer</a:t>
-            </a:r>
-            <a:r>
-              <a:rPr lang="nb-NO" dirty="0"/>
-              <a:t>: 2-layers , </a:t>
-            </a:r>
-            <a:r>
-              <a:rPr lang="nb-NO" dirty="0" err="1"/>
-              <a:t>Tf_IDF</a:t>
-            </a:r>
-            <a:r>
-              <a:rPr lang="nb-NO" dirty="0"/>
-              <a:t>: 1-Layer </a:t>
+              <a:t> For both methods of feature detection 1-layer has the highest accuracy.</a:t>
             </a:r>
           </a:p>
           <a:p>
@@ -5093,7 +5550,7 @@
                   <a:schemeClr val="tx1"/>
                 </a:solidFill>
               </a:rPr>
-              <a:t>Activation Function: </a:t>
+              <a:t>Activation Functions: </a:t>
             </a:r>
           </a:p>
           <a:p>
@@ -5139,7 +5596,7 @@
         </p:nvSpPr>
         <p:spPr>
           <a:xfrm>
-            <a:off x="1936225" y="689113"/>
+            <a:off x="1797665" y="782374"/>
             <a:ext cx="8596668" cy="670560"/>
           </a:xfrm>
         </p:spPr>
@@ -5178,8 +5635,8 @@
         </p:blipFill>
         <p:spPr>
           <a:xfrm>
-            <a:off x="7266832" y="2721190"/>
-            <a:ext cx="4370826" cy="2208619"/>
+            <a:off x="6583122" y="2957625"/>
+            <a:ext cx="5174263" cy="2614603"/>
           </a:xfrm>
           <a:prstGeom prst="rect">
             <a:avLst/>
@@ -5201,14 +5658,14 @@
           <p:nvPr>
             <p:extLst>
               <p:ext uri="{D42A27DB-BD31-4B8C-83A1-F6EECF244321}">
-                <p14:modId xmlns:p14="http://schemas.microsoft.com/office/powerpoint/2010/main" val="3735391259"/>
+                <p14:modId xmlns:p14="http://schemas.microsoft.com/office/powerpoint/2010/main" val="1726993012"/>
               </p:ext>
             </p:extLst>
           </p:nvPr>
         </p:nvGraphicFramePr>
         <p:xfrm>
-          <a:off x="912071" y="3063870"/>
-          <a:ext cx="5097790" cy="1342008"/>
+          <a:off x="861079" y="3170720"/>
+          <a:ext cx="4880578" cy="1172390"/>
         </p:xfrm>
         <a:graphic>
           <a:graphicData uri="http://schemas.openxmlformats.org/drawingml/2006/table">
@@ -5217,28 +5674,28 @@
                 <a:tableStyleId>{5C22544A-7EE6-4342-B048-85BDC9FD1C3A}</a:tableStyleId>
               </a:tblPr>
               <a:tblGrid>
-                <a:gridCol w="1513077">
+                <a:gridCol w="1579742">
                   <a:extLst>
                     <a:ext uri="{9D8B030D-6E8A-4147-A177-3AD203B41FA5}">
                       <a16:colId xmlns:a16="http://schemas.microsoft.com/office/drawing/2014/main" val="883397328"/>
                     </a:ext>
                   </a:extLst>
                 </a:gridCol>
-                <a:gridCol w="1243907">
+                <a:gridCol w="899542">
                   <a:extLst>
                     <a:ext uri="{9D8B030D-6E8A-4147-A177-3AD203B41FA5}">
                       <a16:colId xmlns:a16="http://schemas.microsoft.com/office/drawing/2014/main" val="4092093854"/>
                     </a:ext>
                   </a:extLst>
                 </a:gridCol>
-                <a:gridCol w="1178080">
+                <a:gridCol w="1288111">
                   <a:extLst>
                     <a:ext uri="{9D8B030D-6E8A-4147-A177-3AD203B41FA5}">
                       <a16:colId xmlns:a16="http://schemas.microsoft.com/office/drawing/2014/main" val="2571597611"/>
                     </a:ext>
                   </a:extLst>
                 </a:gridCol>
-                <a:gridCol w="1162726">
+                <a:gridCol w="1113183">
                   <a:extLst>
                     <a:ext uri="{9D8B030D-6E8A-4147-A177-3AD203B41FA5}">
                       <a16:colId xmlns:a16="http://schemas.microsoft.com/office/drawing/2014/main" val="3931190801"/>
@@ -5246,7 +5703,7 @@
                   </a:extLst>
                 </a:gridCol>
               </a:tblGrid>
-              <a:tr h="600328">
+              <a:tr h="430710">
                 <a:tc>
                   <a:txBody>
                     <a:bodyPr/>
@@ -5258,27 +5715,59 @@
                         </a:lnSpc>
                       </a:pPr>
                       <a:r>
-                        <a:rPr lang="nb-NO" sz="1400" kern="1200" dirty="0" err="1">
+                        <a:rPr lang="nb-NO" sz="1400" kern="1200" dirty="0">
                           <a:solidFill>
                             <a:schemeClr val="tx1"/>
                           </a:solidFill>
-                          <a:latin typeface="+mn-lt"/>
+                          <a:latin typeface="+mj-lt"/>
                           <a:ea typeface="+mn-ea"/>
                           <a:cs typeface="+mn-cs"/>
                         </a:rPr>
                         <a:t>Algorithm</a:t>
                       </a:r>
-                      <a:endParaRPr lang="nb-NO" sz="1400" kern="1200" dirty="0">
-                        <a:solidFill>
-                          <a:schemeClr val="tx1"/>
-                        </a:solidFill>
-                        <a:latin typeface="+mn-lt"/>
-                        <a:ea typeface="+mn-ea"/>
-                        <a:cs typeface="+mn-cs"/>
-                      </a:endParaRPr>
                     </a:p>
                   </a:txBody>
-                  <a:tcPr/>
+                  <a:tcPr anchor="ctr">
+                    <a:lnL w="12700" cap="flat" cmpd="sng" algn="ctr">
+                      <a:solidFill>
+                        <a:schemeClr val="tx1"/>
+                      </a:solidFill>
+                      <a:prstDash val="solid"/>
+                      <a:round/>
+                      <a:headEnd type="none" w="med" len="med"/>
+                      <a:tailEnd type="none" w="med" len="med"/>
+                    </a:lnL>
+                    <a:lnR w="12700" cap="flat" cmpd="sng" algn="ctr">
+                      <a:solidFill>
+                        <a:schemeClr val="tx1"/>
+                      </a:solidFill>
+                      <a:prstDash val="solid"/>
+                      <a:round/>
+                      <a:headEnd type="none" w="med" len="med"/>
+                      <a:tailEnd type="none" w="med" len="med"/>
+                    </a:lnR>
+                    <a:lnT w="12700" cap="flat" cmpd="sng" algn="ctr">
+                      <a:solidFill>
+                        <a:schemeClr val="tx1"/>
+                      </a:solidFill>
+                      <a:prstDash val="solid"/>
+                      <a:round/>
+                      <a:headEnd type="none" w="med" len="med"/>
+                      <a:tailEnd type="none" w="med" len="med"/>
+                    </a:lnT>
+                    <a:lnB w="12700" cap="flat" cmpd="sng" algn="ctr">
+                      <a:solidFill>
+                        <a:schemeClr val="tx1"/>
+                      </a:solidFill>
+                      <a:prstDash val="solid"/>
+                      <a:round/>
+                      <a:headEnd type="none" w="med" len="med"/>
+                      <a:tailEnd type="none" w="med" len="med"/>
+                    </a:lnB>
+                    <a:solidFill>
+                      <a:schemeClr val="bg1"/>
+                    </a:solidFill>
+                  </a:tcPr>
                 </a:tc>
                 <a:tc>
                   <a:txBody>
@@ -5290,13 +5779,53 @@
                         <a:solidFill>
                           <a:schemeClr val="tx1"/>
                         </a:solidFill>
-                        <a:latin typeface="+mn-lt"/>
+                        <a:latin typeface="+mj-lt"/>
                         <a:ea typeface="+mn-ea"/>
                         <a:cs typeface="+mn-cs"/>
                       </a:endParaRPr>
                     </a:p>
                   </a:txBody>
-                  <a:tcPr/>
+                  <a:tcPr anchor="ctr">
+                    <a:lnL w="12700" cap="flat" cmpd="sng" algn="ctr">
+                      <a:solidFill>
+                        <a:schemeClr val="tx1"/>
+                      </a:solidFill>
+                      <a:prstDash val="solid"/>
+                      <a:round/>
+                      <a:headEnd type="none" w="med" len="med"/>
+                      <a:tailEnd type="none" w="med" len="med"/>
+                    </a:lnL>
+                    <a:lnR w="12700" cap="flat" cmpd="sng" algn="ctr">
+                      <a:solidFill>
+                        <a:schemeClr val="tx1"/>
+                      </a:solidFill>
+                      <a:prstDash val="solid"/>
+                      <a:round/>
+                      <a:headEnd type="none" w="med" len="med"/>
+                      <a:tailEnd type="none" w="med" len="med"/>
+                    </a:lnR>
+                    <a:lnT w="12700" cap="flat" cmpd="sng" algn="ctr">
+                      <a:solidFill>
+                        <a:schemeClr val="tx1"/>
+                      </a:solidFill>
+                      <a:prstDash val="solid"/>
+                      <a:round/>
+                      <a:headEnd type="none" w="med" len="med"/>
+                      <a:tailEnd type="none" w="med" len="med"/>
+                    </a:lnT>
+                    <a:lnB w="12700" cap="flat" cmpd="sng" algn="ctr">
+                      <a:solidFill>
+                        <a:schemeClr val="tx1"/>
+                      </a:solidFill>
+                      <a:prstDash val="solid"/>
+                      <a:round/>
+                      <a:headEnd type="none" w="med" len="med"/>
+                      <a:tailEnd type="none" w="med" len="med"/>
+                    </a:lnB>
+                    <a:solidFill>
+                      <a:schemeClr val="bg1"/>
+                    </a:solidFill>
+                  </a:tcPr>
                 </a:tc>
                 <a:tc>
                   <a:txBody>
@@ -5304,10 +5833,52 @@
                     <a:lstStyle/>
                     <a:p>
                       <a:pPr algn="ctr"/>
-                      <a:endParaRPr lang="nb-NO" sz="1400" dirty="0"/>
+                      <a:endParaRPr lang="nb-NO" sz="1400" dirty="0">
+                        <a:latin typeface="+mj-lt"/>
+                      </a:endParaRPr>
                     </a:p>
                   </a:txBody>
-                  <a:tcPr/>
+                  <a:tcPr anchor="ctr">
+                    <a:lnL w="12700" cap="flat" cmpd="sng" algn="ctr">
+                      <a:solidFill>
+                        <a:schemeClr val="tx1"/>
+                      </a:solidFill>
+                      <a:prstDash val="solid"/>
+                      <a:round/>
+                      <a:headEnd type="none" w="med" len="med"/>
+                      <a:tailEnd type="none" w="med" len="med"/>
+                    </a:lnL>
+                    <a:lnR w="12700" cap="flat" cmpd="sng" algn="ctr">
+                      <a:solidFill>
+                        <a:schemeClr val="tx1"/>
+                      </a:solidFill>
+                      <a:prstDash val="solid"/>
+                      <a:round/>
+                      <a:headEnd type="none" w="med" len="med"/>
+                      <a:tailEnd type="none" w="med" len="med"/>
+                    </a:lnR>
+                    <a:lnT w="12700" cap="flat" cmpd="sng" algn="ctr">
+                      <a:solidFill>
+                        <a:schemeClr val="tx1"/>
+                      </a:solidFill>
+                      <a:prstDash val="solid"/>
+                      <a:round/>
+                      <a:headEnd type="none" w="med" len="med"/>
+                      <a:tailEnd type="none" w="med" len="med"/>
+                    </a:lnT>
+                    <a:lnB w="12700" cap="flat" cmpd="sng" algn="ctr">
+                      <a:solidFill>
+                        <a:schemeClr val="tx1"/>
+                      </a:solidFill>
+                      <a:prstDash val="solid"/>
+                      <a:round/>
+                      <a:headEnd type="none" w="med" len="med"/>
+                      <a:tailEnd type="none" w="med" len="med"/>
+                    </a:lnB>
+                    <a:solidFill>
+                      <a:schemeClr val="bg1"/>
+                    </a:solidFill>
+                  </a:tcPr>
                 </a:tc>
                 <a:tc>
                   <a:txBody>
@@ -5315,10 +5886,52 @@
                     <a:lstStyle/>
                     <a:p>
                       <a:pPr algn="ctr"/>
-                      <a:endParaRPr lang="nb-NO" sz="1400" dirty="0"/>
+                      <a:endParaRPr lang="nb-NO" sz="1400" dirty="0">
+                        <a:latin typeface="+mj-lt"/>
+                      </a:endParaRPr>
                     </a:p>
                   </a:txBody>
-                  <a:tcPr/>
+                  <a:tcPr anchor="ctr">
+                    <a:lnL w="12700" cap="flat" cmpd="sng" algn="ctr">
+                      <a:solidFill>
+                        <a:schemeClr val="tx1"/>
+                      </a:solidFill>
+                      <a:prstDash val="solid"/>
+                      <a:round/>
+                      <a:headEnd type="none" w="med" len="med"/>
+                      <a:tailEnd type="none" w="med" len="med"/>
+                    </a:lnL>
+                    <a:lnR w="12700" cap="flat" cmpd="sng" algn="ctr">
+                      <a:solidFill>
+                        <a:schemeClr val="tx1"/>
+                      </a:solidFill>
+                      <a:prstDash val="solid"/>
+                      <a:round/>
+                      <a:headEnd type="none" w="med" len="med"/>
+                      <a:tailEnd type="none" w="med" len="med"/>
+                    </a:lnR>
+                    <a:lnT w="12700" cap="flat" cmpd="sng" algn="ctr">
+                      <a:solidFill>
+                        <a:schemeClr val="tx1"/>
+                      </a:solidFill>
+                      <a:prstDash val="solid"/>
+                      <a:round/>
+                      <a:headEnd type="none" w="med" len="med"/>
+                      <a:tailEnd type="none" w="med" len="med"/>
+                    </a:lnT>
+                    <a:lnB w="12700" cap="flat" cmpd="sng" algn="ctr">
+                      <a:solidFill>
+                        <a:schemeClr val="tx1"/>
+                      </a:solidFill>
+                      <a:prstDash val="solid"/>
+                      <a:round/>
+                      <a:headEnd type="none" w="med" len="med"/>
+                      <a:tailEnd type="none" w="med" len="med"/>
+                    </a:lnB>
+                    <a:solidFill>
+                      <a:schemeClr val="bg1"/>
+                    </a:solidFill>
+                  </a:tcPr>
                 </a:tc>
                 <a:extLst>
                   <a:ext uri="{0D108BD9-81ED-4DB2-BD59-A6C34878D82A}">
@@ -5337,7 +5950,7 @@
                           <a:solidFill>
                             <a:schemeClr val="tx1"/>
                           </a:solidFill>
-                          <a:latin typeface="+mn-lt"/>
+                          <a:latin typeface="+mj-lt"/>
                           <a:ea typeface="+mn-ea"/>
                           <a:cs typeface="+mn-cs"/>
                         </a:rPr>
@@ -5348,7 +5961,7 @@
                           <a:solidFill>
                             <a:schemeClr val="tx1"/>
                           </a:solidFill>
-                          <a:latin typeface="+mn-lt"/>
+                          <a:latin typeface="+mj-lt"/>
                           <a:ea typeface="+mn-ea"/>
                           <a:cs typeface="+mn-cs"/>
                         </a:rPr>
@@ -5358,13 +5971,53 @@
                         <a:solidFill>
                           <a:schemeClr val="tx1"/>
                         </a:solidFill>
-                        <a:latin typeface="+mn-lt"/>
+                        <a:latin typeface="+mj-lt"/>
                         <a:ea typeface="+mn-ea"/>
                         <a:cs typeface="+mn-cs"/>
                       </a:endParaRPr>
                     </a:p>
                   </a:txBody>
-                  <a:tcPr/>
+                  <a:tcPr anchor="ctr">
+                    <a:lnL w="12700" cap="flat" cmpd="sng" algn="ctr">
+                      <a:solidFill>
+                        <a:schemeClr val="tx1"/>
+                      </a:solidFill>
+                      <a:prstDash val="solid"/>
+                      <a:round/>
+                      <a:headEnd type="none" w="med" len="med"/>
+                      <a:tailEnd type="none" w="med" len="med"/>
+                    </a:lnL>
+                    <a:lnR w="12700" cap="flat" cmpd="sng" algn="ctr">
+                      <a:solidFill>
+                        <a:schemeClr val="tx1"/>
+                      </a:solidFill>
+                      <a:prstDash val="solid"/>
+                      <a:round/>
+                      <a:headEnd type="none" w="med" len="med"/>
+                      <a:tailEnd type="none" w="med" len="med"/>
+                    </a:lnR>
+                    <a:lnT w="12700" cap="flat" cmpd="sng" algn="ctr">
+                      <a:solidFill>
+                        <a:schemeClr val="tx1"/>
+                      </a:solidFill>
+                      <a:prstDash val="solid"/>
+                      <a:round/>
+                      <a:headEnd type="none" w="med" len="med"/>
+                      <a:tailEnd type="none" w="med" len="med"/>
+                    </a:lnT>
+                    <a:lnB w="12700" cap="flat" cmpd="sng" algn="ctr">
+                      <a:solidFill>
+                        <a:schemeClr val="tx1"/>
+                      </a:solidFill>
+                      <a:prstDash val="solid"/>
+                      <a:round/>
+                      <a:headEnd type="none" w="med" len="med"/>
+                      <a:tailEnd type="none" w="med" len="med"/>
+                    </a:lnB>
+                    <a:solidFill>
+                      <a:schemeClr val="bg1"/>
+                    </a:solidFill>
+                  </a:tcPr>
                 </a:tc>
                 <a:tc>
                   <a:txBody>
@@ -5377,7 +6030,7 @@
                           <a:solidFill>
                             <a:schemeClr val="tx1"/>
                           </a:solidFill>
-                          <a:latin typeface="+mn-lt"/>
+                          <a:latin typeface="+mj-lt"/>
                           <a:ea typeface="+mn-ea"/>
                           <a:cs typeface="+mn-cs"/>
                         </a:rPr>
@@ -5385,7 +6038,47 @@
                       </a:r>
                     </a:p>
                   </a:txBody>
-                  <a:tcPr/>
+                  <a:tcPr anchor="ctr">
+                    <a:lnL w="12700" cap="flat" cmpd="sng" algn="ctr">
+                      <a:solidFill>
+                        <a:schemeClr val="tx1"/>
+                      </a:solidFill>
+                      <a:prstDash val="solid"/>
+                      <a:round/>
+                      <a:headEnd type="none" w="med" len="med"/>
+                      <a:tailEnd type="none" w="med" len="med"/>
+                    </a:lnL>
+                    <a:lnR w="12700" cap="flat" cmpd="sng" algn="ctr">
+                      <a:solidFill>
+                        <a:schemeClr val="tx1"/>
+                      </a:solidFill>
+                      <a:prstDash val="solid"/>
+                      <a:round/>
+                      <a:headEnd type="none" w="med" len="med"/>
+                      <a:tailEnd type="none" w="med" len="med"/>
+                    </a:lnR>
+                    <a:lnT w="12700" cap="flat" cmpd="sng" algn="ctr">
+                      <a:solidFill>
+                        <a:schemeClr val="tx1"/>
+                      </a:solidFill>
+                      <a:prstDash val="solid"/>
+                      <a:round/>
+                      <a:headEnd type="none" w="med" len="med"/>
+                      <a:tailEnd type="none" w="med" len="med"/>
+                    </a:lnT>
+                    <a:lnB w="12700" cap="flat" cmpd="sng" algn="ctr">
+                      <a:solidFill>
+                        <a:schemeClr val="tx1"/>
+                      </a:solidFill>
+                      <a:prstDash val="solid"/>
+                      <a:round/>
+                      <a:headEnd type="none" w="med" len="med"/>
+                      <a:tailEnd type="none" w="med" len="med"/>
+                    </a:lnB>
+                    <a:solidFill>
+                      <a:schemeClr val="bg1"/>
+                    </a:solidFill>
+                  </a:tcPr>
                 </a:tc>
                 <a:tc>
                   <a:txBody>
@@ -5398,7 +6091,7 @@
                           <a:solidFill>
                             <a:schemeClr val="tx1"/>
                           </a:solidFill>
-                          <a:latin typeface="+mn-lt"/>
+                          <a:latin typeface="+mj-lt"/>
                           <a:ea typeface="+mn-ea"/>
                           <a:cs typeface="+mn-cs"/>
                         </a:rPr>
@@ -5409,7 +6102,7 @@
                           <a:solidFill>
                             <a:schemeClr val="tx1"/>
                           </a:solidFill>
-                          <a:latin typeface="+mn-lt"/>
+                          <a:latin typeface="+mj-lt"/>
                           <a:ea typeface="+mn-ea"/>
                           <a:cs typeface="+mn-cs"/>
                         </a:rPr>
@@ -5417,7 +6110,47 @@
                       </a:r>
                     </a:p>
                   </a:txBody>
-                  <a:tcPr/>
+                  <a:tcPr anchor="ctr">
+                    <a:lnL w="12700" cap="flat" cmpd="sng" algn="ctr">
+                      <a:solidFill>
+                        <a:schemeClr val="tx1"/>
+                      </a:solidFill>
+                      <a:prstDash val="solid"/>
+                      <a:round/>
+                      <a:headEnd type="none" w="med" len="med"/>
+                      <a:tailEnd type="none" w="med" len="med"/>
+                    </a:lnL>
+                    <a:lnR w="12700" cap="flat" cmpd="sng" algn="ctr">
+                      <a:solidFill>
+                        <a:schemeClr val="tx1"/>
+                      </a:solidFill>
+                      <a:prstDash val="solid"/>
+                      <a:round/>
+                      <a:headEnd type="none" w="med" len="med"/>
+                      <a:tailEnd type="none" w="med" len="med"/>
+                    </a:lnR>
+                    <a:lnT w="12700" cap="flat" cmpd="sng" algn="ctr">
+                      <a:solidFill>
+                        <a:schemeClr val="tx1"/>
+                      </a:solidFill>
+                      <a:prstDash val="solid"/>
+                      <a:round/>
+                      <a:headEnd type="none" w="med" len="med"/>
+                      <a:tailEnd type="none" w="med" len="med"/>
+                    </a:lnT>
+                    <a:lnB w="12700" cap="flat" cmpd="sng" algn="ctr">
+                      <a:solidFill>
+                        <a:schemeClr val="tx1"/>
+                      </a:solidFill>
+                      <a:prstDash val="solid"/>
+                      <a:round/>
+                      <a:headEnd type="none" w="med" len="med"/>
+                      <a:tailEnd type="none" w="med" len="med"/>
+                    </a:lnB>
+                    <a:solidFill>
+                      <a:schemeClr val="bg1"/>
+                    </a:solidFill>
+                  </a:tcPr>
                 </a:tc>
                 <a:tc>
                   <a:txBody>
@@ -5430,7 +6163,7 @@
                           <a:solidFill>
                             <a:schemeClr val="tx1"/>
                           </a:solidFill>
-                          <a:latin typeface="+mn-lt"/>
+                          <a:latin typeface="+mj-lt"/>
                           <a:ea typeface="+mn-ea"/>
                           <a:cs typeface="+mn-cs"/>
                         </a:rPr>
@@ -5438,7 +6171,47 @@
                       </a:r>
                     </a:p>
                   </a:txBody>
-                  <a:tcPr/>
+                  <a:tcPr anchor="ctr">
+                    <a:lnL w="12700" cap="flat" cmpd="sng" algn="ctr">
+                      <a:solidFill>
+                        <a:schemeClr val="tx1"/>
+                      </a:solidFill>
+                      <a:prstDash val="solid"/>
+                      <a:round/>
+                      <a:headEnd type="none" w="med" len="med"/>
+                      <a:tailEnd type="none" w="med" len="med"/>
+                    </a:lnL>
+                    <a:lnR w="12700" cap="flat" cmpd="sng" algn="ctr">
+                      <a:solidFill>
+                        <a:schemeClr val="tx1"/>
+                      </a:solidFill>
+                      <a:prstDash val="solid"/>
+                      <a:round/>
+                      <a:headEnd type="none" w="med" len="med"/>
+                      <a:tailEnd type="none" w="med" len="med"/>
+                    </a:lnR>
+                    <a:lnT w="12700" cap="flat" cmpd="sng" algn="ctr">
+                      <a:solidFill>
+                        <a:schemeClr val="tx1"/>
+                      </a:solidFill>
+                      <a:prstDash val="solid"/>
+                      <a:round/>
+                      <a:headEnd type="none" w="med" len="med"/>
+                      <a:tailEnd type="none" w="med" len="med"/>
+                    </a:lnT>
+                    <a:lnB w="12700" cap="flat" cmpd="sng" algn="ctr">
+                      <a:solidFill>
+                        <a:schemeClr val="tx1"/>
+                      </a:solidFill>
+                      <a:prstDash val="solid"/>
+                      <a:round/>
+                      <a:headEnd type="none" w="med" len="med"/>
+                      <a:tailEnd type="none" w="med" len="med"/>
+                    </a:lnB>
+                    <a:solidFill>
+                      <a:schemeClr val="bg1"/>
+                    </a:solidFill>
+                  </a:tcPr>
                 </a:tc>
                 <a:extLst>
                   <a:ext uri="{0D108BD9-81ED-4DB2-BD59-A6C34878D82A}">
@@ -5457,7 +6230,7 @@
                           <a:solidFill>
                             <a:schemeClr val="tx1"/>
                           </a:solidFill>
-                          <a:latin typeface="+mn-lt"/>
+                          <a:latin typeface="+mj-lt"/>
                           <a:ea typeface="+mn-ea"/>
                           <a:cs typeface="+mn-cs"/>
                         </a:rPr>
@@ -5465,7 +6238,47 @@
                       </a:r>
                     </a:p>
                   </a:txBody>
-                  <a:tcPr/>
+                  <a:tcPr anchor="ctr">
+                    <a:lnL w="12700" cap="flat" cmpd="sng" algn="ctr">
+                      <a:solidFill>
+                        <a:schemeClr val="tx1"/>
+                      </a:solidFill>
+                      <a:prstDash val="solid"/>
+                      <a:round/>
+                      <a:headEnd type="none" w="med" len="med"/>
+                      <a:tailEnd type="none" w="med" len="med"/>
+                    </a:lnL>
+                    <a:lnR w="12700" cap="flat" cmpd="sng" algn="ctr">
+                      <a:solidFill>
+                        <a:schemeClr val="tx1"/>
+                      </a:solidFill>
+                      <a:prstDash val="solid"/>
+                      <a:round/>
+                      <a:headEnd type="none" w="med" len="med"/>
+                      <a:tailEnd type="none" w="med" len="med"/>
+                    </a:lnR>
+                    <a:lnT w="12700" cap="flat" cmpd="sng" algn="ctr">
+                      <a:solidFill>
+                        <a:schemeClr val="tx1"/>
+                      </a:solidFill>
+                      <a:prstDash val="solid"/>
+                      <a:round/>
+                      <a:headEnd type="none" w="med" len="med"/>
+                      <a:tailEnd type="none" w="med" len="med"/>
+                    </a:lnT>
+                    <a:lnB w="12700" cap="flat" cmpd="sng" algn="ctr">
+                      <a:solidFill>
+                        <a:schemeClr val="tx1"/>
+                      </a:solidFill>
+                      <a:prstDash val="solid"/>
+                      <a:round/>
+                      <a:headEnd type="none" w="med" len="med"/>
+                      <a:tailEnd type="none" w="med" len="med"/>
+                    </a:lnB>
+                    <a:solidFill>
+                      <a:schemeClr val="bg1"/>
+                    </a:solidFill>
+                  </a:tcPr>
                 </a:tc>
                 <a:tc>
                   <a:txBody>
@@ -5478,7 +6291,7 @@
                           <a:solidFill>
                             <a:schemeClr val="tx1"/>
                           </a:solidFill>
-                          <a:latin typeface="+mn-lt"/>
+                          <a:latin typeface="+mj-lt"/>
                           <a:ea typeface="+mn-ea"/>
                           <a:cs typeface="+mn-cs"/>
                         </a:rPr>
@@ -5486,7 +6299,47 @@
                       </a:r>
                     </a:p>
                   </a:txBody>
-                  <a:tcPr/>
+                  <a:tcPr anchor="ctr">
+                    <a:lnL w="12700" cap="flat" cmpd="sng" algn="ctr">
+                      <a:solidFill>
+                        <a:schemeClr val="tx1"/>
+                      </a:solidFill>
+                      <a:prstDash val="solid"/>
+                      <a:round/>
+                      <a:headEnd type="none" w="med" len="med"/>
+                      <a:tailEnd type="none" w="med" len="med"/>
+                    </a:lnL>
+                    <a:lnR w="12700" cap="flat" cmpd="sng" algn="ctr">
+                      <a:solidFill>
+                        <a:schemeClr val="tx1"/>
+                      </a:solidFill>
+                      <a:prstDash val="solid"/>
+                      <a:round/>
+                      <a:headEnd type="none" w="med" len="med"/>
+                      <a:tailEnd type="none" w="med" len="med"/>
+                    </a:lnR>
+                    <a:lnT w="12700" cap="flat" cmpd="sng" algn="ctr">
+                      <a:solidFill>
+                        <a:schemeClr val="tx1"/>
+                      </a:solidFill>
+                      <a:prstDash val="solid"/>
+                      <a:round/>
+                      <a:headEnd type="none" w="med" len="med"/>
+                      <a:tailEnd type="none" w="med" len="med"/>
+                    </a:lnT>
+                    <a:lnB w="12700" cap="flat" cmpd="sng" algn="ctr">
+                      <a:solidFill>
+                        <a:schemeClr val="tx1"/>
+                      </a:solidFill>
+                      <a:prstDash val="solid"/>
+                      <a:round/>
+                      <a:headEnd type="none" w="med" len="med"/>
+                      <a:tailEnd type="none" w="med" len="med"/>
+                    </a:lnB>
+                    <a:solidFill>
+                      <a:schemeClr val="bg1"/>
+                    </a:solidFill>
+                  </a:tcPr>
                 </a:tc>
                 <a:tc>
                   <a:txBody>
@@ -5499,52 +6352,7 @@
                           <a:solidFill>
                             <a:schemeClr val="tx1"/>
                           </a:solidFill>
-                          <a:latin typeface="+mn-lt"/>
-                          <a:ea typeface="+mn-ea"/>
-                          <a:cs typeface="+mn-cs"/>
-                        </a:rPr>
-                        <a:t>Softmax</a:t>
-                      </a:r>
-                      <a:endParaRPr lang="nb-NO" sz="1400" kern="1200" dirty="0">
-                        <a:solidFill>
-                          <a:schemeClr val="tx1"/>
-                        </a:solidFill>
-                        <a:latin typeface="+mn-lt"/>
-                        <a:ea typeface="+mn-ea"/>
-                        <a:cs typeface="+mn-cs"/>
-                      </a:endParaRPr>
-                    </a:p>
-                  </a:txBody>
-                  <a:tcPr/>
-                </a:tc>
-                <a:tc>
-                  <a:txBody>
-                    <a:bodyPr/>
-                    <a:lstStyle/>
-                    <a:p>
-                      <a:pPr marL="0" marR="0" lvl="0" indent="0" algn="ctr" defTabSz="457200" rtl="0" eaLnBrk="1" fontAlgn="auto" latinLnBrk="0" hangingPunct="1">
-                        <a:lnSpc>
-                          <a:spcPct val="100000"/>
-                        </a:lnSpc>
-                        <a:spcBef>
-                          <a:spcPts val="0"/>
-                        </a:spcBef>
-                        <a:spcAft>
-                          <a:spcPts val="0"/>
-                        </a:spcAft>
-                        <a:buClrTx/>
-                        <a:buSzTx/>
-                        <a:buFontTx/>
-                        <a:buNone/>
-                        <a:tabLst/>
-                        <a:defRPr/>
-                      </a:pPr>
-                      <a:r>
-                        <a:rPr lang="nb-NO" sz="1400" kern="1200" dirty="0" err="1">
-                          <a:solidFill>
-                            <a:schemeClr val="tx1"/>
-                          </a:solidFill>
-                          <a:latin typeface="+mn-lt"/>
+                          <a:latin typeface="+mj-lt"/>
                           <a:ea typeface="+mn-ea"/>
                           <a:cs typeface="+mn-cs"/>
                         </a:rPr>
@@ -5555,7 +6363,7 @@
                           <a:solidFill>
                             <a:schemeClr val="tx1"/>
                           </a:solidFill>
-                          <a:latin typeface="+mn-lt"/>
+                          <a:latin typeface="+mj-lt"/>
                           <a:ea typeface="+mn-ea"/>
                           <a:cs typeface="+mn-cs"/>
                         </a:rPr>
@@ -5563,7 +6371,116 @@
                       </a:r>
                     </a:p>
                   </a:txBody>
-                  <a:tcPr/>
+                  <a:tcPr anchor="ctr">
+                    <a:lnL w="12700" cap="flat" cmpd="sng" algn="ctr">
+                      <a:solidFill>
+                        <a:schemeClr val="tx1"/>
+                      </a:solidFill>
+                      <a:prstDash val="solid"/>
+                      <a:round/>
+                      <a:headEnd type="none" w="med" len="med"/>
+                      <a:tailEnd type="none" w="med" len="med"/>
+                    </a:lnL>
+                    <a:lnR w="12700" cap="flat" cmpd="sng" algn="ctr">
+                      <a:solidFill>
+                        <a:schemeClr val="tx1"/>
+                      </a:solidFill>
+                      <a:prstDash val="solid"/>
+                      <a:round/>
+                      <a:headEnd type="none" w="med" len="med"/>
+                      <a:tailEnd type="none" w="med" len="med"/>
+                    </a:lnR>
+                    <a:lnT w="12700" cap="flat" cmpd="sng" algn="ctr">
+                      <a:solidFill>
+                        <a:schemeClr val="tx1"/>
+                      </a:solidFill>
+                      <a:prstDash val="solid"/>
+                      <a:round/>
+                      <a:headEnd type="none" w="med" len="med"/>
+                      <a:tailEnd type="none" w="med" len="med"/>
+                    </a:lnT>
+                    <a:lnB w="12700" cap="flat" cmpd="sng" algn="ctr">
+                      <a:solidFill>
+                        <a:schemeClr val="tx1"/>
+                      </a:solidFill>
+                      <a:prstDash val="solid"/>
+                      <a:round/>
+                      <a:headEnd type="none" w="med" len="med"/>
+                      <a:tailEnd type="none" w="med" len="med"/>
+                    </a:lnB>
+                    <a:solidFill>
+                      <a:schemeClr val="bg1"/>
+                    </a:solidFill>
+                  </a:tcPr>
+                </a:tc>
+                <a:tc>
+                  <a:txBody>
+                    <a:bodyPr/>
+                    <a:lstStyle/>
+                    <a:p>
+                      <a:pPr algn="ctr"/>
+                      <a:r>
+                        <a:rPr lang="nb-NO" sz="1400" kern="1200" dirty="0" err="1">
+                          <a:solidFill>
+                            <a:schemeClr val="tx1"/>
+                          </a:solidFill>
+                          <a:latin typeface="+mj-lt"/>
+                          <a:ea typeface="+mn-ea"/>
+                          <a:cs typeface="+mn-cs"/>
+                        </a:rPr>
+                        <a:t>Softmax</a:t>
+                      </a:r>
+                      <a:endParaRPr lang="nb-NO" sz="1400" kern="1200" dirty="0">
+                        <a:solidFill>
+                          <a:schemeClr val="tx1"/>
+                        </a:solidFill>
+                        <a:latin typeface="+mj-lt"/>
+                        <a:ea typeface="+mn-ea"/>
+                        <a:cs typeface="+mn-cs"/>
+                      </a:endParaRPr>
+                    </a:p>
+                  </a:txBody>
+                  <a:tcPr anchor="ctr">
+                    <a:lnL w="12700" cap="flat" cmpd="sng" algn="ctr">
+                      <a:solidFill>
+                        <a:schemeClr val="tx1"/>
+                      </a:solidFill>
+                      <a:prstDash val="solid"/>
+                      <a:round/>
+                      <a:headEnd type="none" w="med" len="med"/>
+                      <a:tailEnd type="none" w="med" len="med"/>
+                    </a:lnL>
+                    <a:lnR w="12700" cap="flat" cmpd="sng" algn="ctr">
+                      <a:solidFill>
+                        <a:schemeClr val="tx1"/>
+                      </a:solidFill>
+                      <a:prstDash val="solid"/>
+                      <a:round/>
+                      <a:headEnd type="none" w="med" len="med"/>
+                      <a:tailEnd type="none" w="med" len="med"/>
+                    </a:lnR>
+                    <a:lnT w="12700" cap="flat" cmpd="sng" algn="ctr">
+                      <a:solidFill>
+                        <a:schemeClr val="tx1"/>
+                      </a:solidFill>
+                      <a:prstDash val="solid"/>
+                      <a:round/>
+                      <a:headEnd type="none" w="med" len="med"/>
+                      <a:tailEnd type="none" w="med" len="med"/>
+                    </a:lnT>
+                    <a:lnB w="12700" cap="flat" cmpd="sng" algn="ctr">
+                      <a:solidFill>
+                        <a:schemeClr val="tx1"/>
+                      </a:solidFill>
+                      <a:prstDash val="solid"/>
+                      <a:round/>
+                      <a:headEnd type="none" w="med" len="med"/>
+                      <a:tailEnd type="none" w="med" len="med"/>
+                    </a:lnB>
+                    <a:solidFill>
+                      <a:schemeClr val="bg1"/>
+                    </a:solidFill>
+                  </a:tcPr>
                 </a:tc>
                 <a:extLst>
                   <a:ext uri="{0D108BD9-81ED-4DB2-BD59-A6C34878D82A}">
@@ -5604,7 +6521,7 @@
         </p:blipFill>
         <p:spPr bwMode="auto">
           <a:xfrm>
-            <a:off x="2942713" y="3213752"/>
+            <a:off x="2771327" y="3213752"/>
             <a:ext cx="315642" cy="318125"/>
           </a:xfrm>
           <a:prstGeom prst="rect">
@@ -5651,7 +6568,7 @@
         </p:blipFill>
         <p:spPr bwMode="auto">
           <a:xfrm>
-            <a:off x="4071025" y="3213752"/>
+            <a:off x="3896441" y="3213752"/>
             <a:ext cx="320040" cy="320039"/>
           </a:xfrm>
           <a:prstGeom prst="rect">
@@ -5698,8 +6615,8 @@
         </p:blipFill>
         <p:spPr bwMode="auto">
           <a:xfrm>
-            <a:off x="5288997" y="3213752"/>
-            <a:ext cx="285034" cy="320040"/>
+            <a:off x="5057946" y="3213752"/>
+            <a:ext cx="315641" cy="320040"/>
           </a:xfrm>
           <a:prstGeom prst="rect">
             <a:avLst/>
@@ -5730,7 +6647,7 @@
         </p:nvSpPr>
         <p:spPr>
           <a:xfrm>
-            <a:off x="554342" y="4651489"/>
+            <a:off x="591102" y="4632269"/>
             <a:ext cx="8933688" cy="1409617"/>
           </a:xfrm>
           <a:prstGeom prst="rect">
@@ -5872,7 +6789,15 @@
             </a:r>
             <a:r>
               <a:rPr lang="nb-NO" dirty="0"/>
-              <a:t> </a:t>
+              <a:t> has more </a:t>
+            </a:r>
+            <a:r>
+              <a:rPr lang="nb-NO" dirty="0" err="1"/>
+              <a:t>than</a:t>
+            </a:r>
+            <a:r>
+              <a:rPr lang="nb-NO" dirty="0"/>
+              <a:t> 1% </a:t>
             </a:r>
             <a:r>
               <a:rPr lang="nb-NO" dirty="0" err="1"/>
@@ -5880,43 +6805,11 @@
             </a:r>
             <a:r>
               <a:rPr lang="nb-NO" dirty="0"/>
-              <a:t> </a:t>
-            </a:r>
-            <a:r>
-              <a:rPr lang="nb-NO" dirty="0" err="1"/>
-              <a:t>of</a:t>
-            </a:r>
-            <a:r>
-              <a:rPr lang="nb-NO" dirty="0"/>
-              <a:t> </a:t>
-            </a:r>
-            <a:r>
-              <a:rPr lang="nb-NO" dirty="0" err="1"/>
-              <a:t>the</a:t>
-            </a:r>
-            <a:r>
-              <a:rPr lang="nb-NO" dirty="0"/>
-              <a:t> </a:t>
+              <a:t> in </a:t>
             </a:r>
             <a:r>
               <a:rPr lang="nb-NO" dirty="0" err="1"/>
               <a:t>accuracy</a:t>
-            </a:r>
-            <a:r>
-              <a:rPr lang="nb-NO" dirty="0"/>
-              <a:t> </a:t>
-            </a:r>
-            <a:r>
-              <a:rPr lang="nb-NO" dirty="0" err="1"/>
-              <a:t>are</a:t>
-            </a:r>
-            <a:r>
-              <a:rPr lang="nb-NO" dirty="0"/>
-              <a:t> so </a:t>
-            </a:r>
-            <a:r>
-              <a:rPr lang="nb-NO" dirty="0" err="1"/>
-              <a:t>little</a:t>
             </a:r>
             <a:r>
               <a:rPr lang="nb-NO" dirty="0"/>
@@ -6538,42 +7431,6 @@
       </p:grpSpPr>
       <p:sp>
         <p:nvSpPr>
-          <p:cNvPr id="2" name="Title 1">
-            <a:extLst>
-              <a:ext uri="{FF2B5EF4-FFF2-40B4-BE49-F238E27FC236}">
-                <a16:creationId xmlns:a16="http://schemas.microsoft.com/office/drawing/2014/main" id="{A9BA4D9C-7E9C-F9B0-3C60-9CE2054E5333}"/>
-              </a:ext>
-            </a:extLst>
-          </p:cNvPr>
-          <p:cNvSpPr>
-            <a:spLocks noGrp="1"/>
-          </p:cNvSpPr>
-          <p:nvPr>
-            <p:ph type="title"/>
-          </p:nvPr>
-        </p:nvSpPr>
-        <p:spPr/>
-        <p:txBody>
-          <a:bodyPr/>
-          <a:lstStyle/>
-          <a:p>
-            <a:r>
-              <a:rPr lang="en-GB" dirty="0"/>
-              <a:t>RNN EXPERIMENTATION</a:t>
-            </a:r>
-            <a:br>
-              <a:rPr lang="en-GB" dirty="0"/>
-            </a:br>
-            <a:r>
-              <a:rPr lang="en-GB" dirty="0"/>
-              <a:t>ALI!</a:t>
-            </a:r>
-            <a:endParaRPr lang="nb-NO" dirty="0"/>
-          </a:p>
-        </p:txBody>
-      </p:sp>
-      <p:sp>
-        <p:nvSpPr>
           <p:cNvPr id="3" name="Content Placeholder 2">
             <a:extLst>
               <a:ext uri="{FF2B5EF4-FFF2-40B4-BE49-F238E27FC236}">
@@ -6588,15 +7445,380 @@
             <p:ph idx="1"/>
           </p:nvPr>
         </p:nvSpPr>
-        <p:spPr/>
+        <p:spPr>
+          <a:xfrm>
+            <a:off x="403392" y="1727201"/>
+            <a:ext cx="11029615" cy="5130799"/>
+          </a:xfrm>
+        </p:spPr>
         <p:txBody>
-          <a:bodyPr/>
+          <a:bodyPr>
+            <a:normAutofit/>
+          </a:bodyPr>
           <a:lstStyle/>
           <a:p>
-            <a:endParaRPr lang="nb-NO"/>
+            <a:pPr marL="0" indent="0" algn="l">
+              <a:buNone/>
+            </a:pPr>
+            <a:r>
+              <a:rPr lang="en-US" b="1" i="0" dirty="0">
+                <a:solidFill>
+                  <a:srgbClr val="0D0D0D"/>
+                </a:solidFill>
+                <a:effectLst/>
+                <a:highlight>
+                  <a:srgbClr val="FFFFFF"/>
+                </a:highlight>
+                <a:latin typeface="+mj-lt"/>
+                <a:cs typeface="AL BAYAN PLAIN" pitchFamily="2" charset="-78"/>
+              </a:rPr>
+              <a:t>- </a:t>
+            </a:r>
+            <a:r>
+              <a:rPr lang="en-US" sz="2400" b="1" i="0" dirty="0">
+                <a:solidFill>
+                  <a:srgbClr val="0D0D0D"/>
+                </a:solidFill>
+                <a:effectLst/>
+                <a:highlight>
+                  <a:srgbClr val="FFFFFF"/>
+                </a:highlight>
+                <a:latin typeface="+mj-lt"/>
+                <a:cs typeface="AL BAYAN PLAIN" pitchFamily="2" charset="-78"/>
+              </a:rPr>
+              <a:t>RNN:</a:t>
+            </a:r>
+            <a:endParaRPr lang="en-US" sz="2400" b="0" i="0" dirty="0">
+              <a:solidFill>
+                <a:srgbClr val="0D0D0D"/>
+              </a:solidFill>
+              <a:effectLst/>
+              <a:highlight>
+                <a:srgbClr val="FFFFFF"/>
+              </a:highlight>
+              <a:latin typeface="+mj-lt"/>
+              <a:cs typeface="Al Bayan Plain" pitchFamily="2" charset="-78"/>
+            </a:endParaRPr>
+          </a:p>
+          <a:p>
+            <a:pPr marL="742950" lvl="1" indent="-285750"/>
+            <a:r>
+              <a:rPr lang="en-US" sz="2400" dirty="0">
+                <a:solidFill>
+                  <a:srgbClr val="0D0D0D"/>
+                </a:solidFill>
+                <a:highlight>
+                  <a:srgbClr val="FFFFFF"/>
+                </a:highlight>
+                <a:latin typeface="+mj-lt"/>
+                <a:cs typeface="Al Bayan Plain" pitchFamily="2" charset="-78"/>
+              </a:rPr>
+              <a:t>W</a:t>
+            </a:r>
+            <a:r>
+              <a:rPr lang="en-US" sz="2400" i="0" dirty="0">
+                <a:solidFill>
+                  <a:srgbClr val="0D0D0D"/>
+                </a:solidFill>
+                <a:effectLst/>
+                <a:highlight>
+                  <a:srgbClr val="FFFFFF"/>
+                </a:highlight>
+                <a:latin typeface="+mj-lt"/>
+                <a:cs typeface="Al Bayan Plain" pitchFamily="2" charset="-78"/>
+              </a:rPr>
+              <a:t>ell-suited for sequential data analysis</a:t>
+            </a:r>
+          </a:p>
+          <a:p>
+            <a:pPr marL="742950" lvl="1" indent="-285750"/>
+            <a:r>
+              <a:rPr lang="en-US" sz="2400" dirty="0">
+                <a:solidFill>
+                  <a:srgbClr val="0D0D0D"/>
+                </a:solidFill>
+                <a:highlight>
+                  <a:srgbClr val="FFFFFF"/>
+                </a:highlight>
+                <a:latin typeface="+mj-lt"/>
+                <a:cs typeface="Al Bayan Plain" pitchFamily="2" charset="-78"/>
+              </a:rPr>
+              <a:t>E</a:t>
+            </a:r>
+            <a:r>
+              <a:rPr lang="en-US" sz="2400" i="0" dirty="0">
+                <a:solidFill>
+                  <a:srgbClr val="0D0D0D"/>
+                </a:solidFill>
+                <a:effectLst/>
+                <a:highlight>
+                  <a:srgbClr val="FFFFFF"/>
+                </a:highlight>
+                <a:latin typeface="+mj-lt"/>
+                <a:cs typeface="Al Bayan Plain" pitchFamily="2" charset="-78"/>
+              </a:rPr>
+              <a:t>ffective in handling the sequences inherent in textual data</a:t>
+            </a:r>
+          </a:p>
+          <a:p>
+            <a:pPr marL="742950" lvl="1" indent="-285750"/>
+            <a:endParaRPr lang="en-US" b="1" i="0" dirty="0">
+              <a:solidFill>
+                <a:srgbClr val="0D0D0D"/>
+              </a:solidFill>
+              <a:effectLst/>
+              <a:highlight>
+                <a:srgbClr val="FFFFFF"/>
+              </a:highlight>
+              <a:latin typeface="+mj-lt"/>
+              <a:cs typeface="AL BAYAN PLAIN" pitchFamily="2" charset="-78"/>
+            </a:endParaRPr>
+          </a:p>
+          <a:p>
+            <a:pPr marL="0" indent="0" algn="l">
+              <a:buNone/>
+            </a:pPr>
+            <a:r>
+              <a:rPr lang="en-US" sz="2400" b="1" i="0" dirty="0">
+                <a:solidFill>
+                  <a:srgbClr val="0D0D0D"/>
+                </a:solidFill>
+                <a:effectLst/>
+                <a:highlight>
+                  <a:srgbClr val="FFFFFF"/>
+                </a:highlight>
+                <a:latin typeface="+mj-lt"/>
+                <a:cs typeface="AL BAYAN PLAIN" pitchFamily="2" charset="-78"/>
+              </a:rPr>
+              <a:t>- Architecture:</a:t>
+            </a:r>
+            <a:endParaRPr lang="en-US" sz="2400" b="0" i="0" dirty="0">
+              <a:solidFill>
+                <a:srgbClr val="0D0D0D"/>
+              </a:solidFill>
+              <a:effectLst/>
+              <a:highlight>
+                <a:srgbClr val="FFFFFF"/>
+              </a:highlight>
+              <a:latin typeface="+mj-lt"/>
+              <a:cs typeface="Al Bayan Plain" pitchFamily="2" charset="-78"/>
+            </a:endParaRPr>
+          </a:p>
+          <a:p>
+            <a:pPr marL="742950" lvl="1" indent="-285750"/>
+            <a:r>
+              <a:rPr lang="en-US" sz="2400" i="0" dirty="0">
+                <a:solidFill>
+                  <a:srgbClr val="0D0D0D"/>
+                </a:solidFill>
+                <a:effectLst/>
+                <a:highlight>
+                  <a:srgbClr val="FFFFFF"/>
+                </a:highlight>
+                <a:latin typeface="+mj-lt"/>
+                <a:cs typeface="Al Bayan Plain" pitchFamily="2" charset="-78"/>
+              </a:rPr>
+              <a:t>Input Layer</a:t>
+            </a:r>
+          </a:p>
+          <a:p>
+            <a:pPr marL="742950" lvl="1" indent="-285750"/>
+            <a:r>
+              <a:rPr lang="en-US" sz="2400" i="0" dirty="0">
+                <a:solidFill>
+                  <a:srgbClr val="0D0D0D"/>
+                </a:solidFill>
+                <a:effectLst/>
+                <a:highlight>
+                  <a:srgbClr val="FFFFFF"/>
+                </a:highlight>
+                <a:latin typeface="+mj-lt"/>
+                <a:cs typeface="Al Bayan Plain" pitchFamily="2" charset="-78"/>
+              </a:rPr>
+              <a:t>Recurrent Layers</a:t>
+            </a:r>
+          </a:p>
+          <a:p>
+            <a:pPr marL="742950" lvl="1" indent="-285750"/>
+            <a:r>
+              <a:rPr lang="en-US" sz="2400" i="0" dirty="0">
+                <a:solidFill>
+                  <a:srgbClr val="0D0D0D"/>
+                </a:solidFill>
+                <a:effectLst/>
+                <a:highlight>
+                  <a:srgbClr val="FFFFFF"/>
+                </a:highlight>
+                <a:latin typeface="+mj-lt"/>
+                <a:cs typeface="Al Bayan Plain" pitchFamily="2" charset="-78"/>
+              </a:rPr>
+              <a:t>Hidden Layers</a:t>
+            </a:r>
+          </a:p>
+          <a:p>
+            <a:pPr marL="742950" lvl="1" indent="-285750"/>
+            <a:r>
+              <a:rPr lang="en-US" sz="2400" i="0" dirty="0">
+                <a:solidFill>
+                  <a:srgbClr val="0D0D0D"/>
+                </a:solidFill>
+                <a:effectLst/>
+                <a:highlight>
+                  <a:srgbClr val="FFFFFF"/>
+                </a:highlight>
+                <a:latin typeface="+mj-lt"/>
+                <a:cs typeface="Al Bayan Plain" pitchFamily="2" charset="-78"/>
+              </a:rPr>
+              <a:t>Output Layer</a:t>
+            </a:r>
           </a:p>
         </p:txBody>
       </p:sp>
+      <p:sp>
+        <p:nvSpPr>
+          <p:cNvPr id="6" name="Title 1">
+            <a:extLst>
+              <a:ext uri="{FF2B5EF4-FFF2-40B4-BE49-F238E27FC236}">
+                <a16:creationId xmlns:a16="http://schemas.microsoft.com/office/drawing/2014/main" id="{F2DF7AAB-70DE-9ACF-0A66-DD077F76660D}"/>
+              </a:ext>
+            </a:extLst>
+          </p:cNvPr>
+          <p:cNvSpPr txBox="1">
+            <a:spLocks/>
+          </p:cNvSpPr>
+          <p:nvPr/>
+        </p:nvSpPr>
+        <p:spPr>
+          <a:xfrm>
+            <a:off x="1797665" y="824580"/>
+            <a:ext cx="8596668" cy="670560"/>
+          </a:xfrm>
+          <a:prstGeom prst="rect">
+            <a:avLst/>
+          </a:prstGeom>
+        </p:spPr>
+        <p:txBody>
+          <a:bodyPr vert="horz" lIns="91440" tIns="45720" rIns="91440" bIns="45720" rtlCol="0" anchor="b">
+            <a:normAutofit/>
+          </a:bodyPr>
+          <a:lstStyle>
+            <a:lvl1pPr algn="l" defTabSz="457200" rtl="0" eaLnBrk="1" latinLnBrk="0" hangingPunct="1">
+              <a:spcBef>
+                <a:spcPct val="0"/>
+              </a:spcBef>
+              <a:buNone/>
+              <a:defRPr sz="2800" b="0" kern="1200" cap="all">
+                <a:solidFill>
+                  <a:schemeClr val="bg1"/>
+                </a:solidFill>
+                <a:latin typeface="+mj-lt"/>
+                <a:ea typeface="+mj-ea"/>
+                <a:cs typeface="+mj-cs"/>
+              </a:defRPr>
+            </a:lvl1pPr>
+            <a:lvl2pPr eaLnBrk="1" hangingPunct="1">
+              <a:defRPr>
+                <a:solidFill>
+                  <a:schemeClr val="tx2"/>
+                </a:solidFill>
+              </a:defRPr>
+            </a:lvl2pPr>
+            <a:lvl3pPr eaLnBrk="1" hangingPunct="1">
+              <a:defRPr>
+                <a:solidFill>
+                  <a:schemeClr val="tx2"/>
+                </a:solidFill>
+              </a:defRPr>
+            </a:lvl3pPr>
+            <a:lvl4pPr eaLnBrk="1" hangingPunct="1">
+              <a:defRPr>
+                <a:solidFill>
+                  <a:schemeClr val="tx2"/>
+                </a:solidFill>
+              </a:defRPr>
+            </a:lvl4pPr>
+            <a:lvl5pPr eaLnBrk="1" hangingPunct="1">
+              <a:defRPr>
+                <a:solidFill>
+                  <a:schemeClr val="tx2"/>
+                </a:solidFill>
+              </a:defRPr>
+            </a:lvl5pPr>
+            <a:lvl6pPr eaLnBrk="1" hangingPunct="1">
+              <a:defRPr>
+                <a:solidFill>
+                  <a:schemeClr val="tx2"/>
+                </a:solidFill>
+              </a:defRPr>
+            </a:lvl6pPr>
+            <a:lvl7pPr eaLnBrk="1" hangingPunct="1">
+              <a:defRPr>
+                <a:solidFill>
+                  <a:schemeClr val="tx2"/>
+                </a:solidFill>
+              </a:defRPr>
+            </a:lvl7pPr>
+            <a:lvl8pPr eaLnBrk="1" hangingPunct="1">
+              <a:defRPr>
+                <a:solidFill>
+                  <a:schemeClr val="tx2"/>
+                </a:solidFill>
+              </a:defRPr>
+            </a:lvl8pPr>
+            <a:lvl9pPr eaLnBrk="1" hangingPunct="1">
+              <a:defRPr>
+                <a:solidFill>
+                  <a:schemeClr val="tx2"/>
+                </a:solidFill>
+              </a:defRPr>
+            </a:lvl9pPr>
+          </a:lstStyle>
+          <a:p>
+            <a:pPr algn="ctr"/>
+            <a:r>
+              <a:rPr lang="en-US"/>
+              <a:t>Recurrent Neural Network (RNN)</a:t>
+            </a:r>
+            <a:endParaRPr lang="nb-NO" dirty="0"/>
+          </a:p>
+        </p:txBody>
+      </p:sp>
+      <p:pic>
+        <p:nvPicPr>
+          <p:cNvPr id="8" name="Picture 7" descr="A diagram of a flowchart&#10;&#10;Description automatically generated">
+            <a:extLst>
+              <a:ext uri="{FF2B5EF4-FFF2-40B4-BE49-F238E27FC236}">
+                <a16:creationId xmlns:a16="http://schemas.microsoft.com/office/drawing/2014/main" id="{634A5C07-3790-4FE3-AB5D-D55B4A941DE1}"/>
+              </a:ext>
+            </a:extLst>
+          </p:cNvPr>
+          <p:cNvPicPr>
+            <a:picLocks noChangeAspect="1"/>
+          </p:cNvPicPr>
+          <p:nvPr/>
+        </p:nvPicPr>
+        <p:blipFill>
+          <a:blip r:embed="rId2">
+            <a:extLst>
+              <a:ext uri="{28A0092B-C50C-407E-A947-70E740481C1C}">
+                <a14:useLocalDpi xmlns:a14="http://schemas.microsoft.com/office/drawing/2010/main" val="0"/>
+              </a:ext>
+            </a:extLst>
+          </a:blip>
+          <a:stretch>
+            <a:fillRect/>
+          </a:stretch>
+        </p:blipFill>
+        <p:spPr>
+          <a:xfrm>
+            <a:off x="4016208" y="3816863"/>
+            <a:ext cx="7772400" cy="2477258"/>
+          </a:xfrm>
+          <a:prstGeom prst="rect">
+            <a:avLst/>
+          </a:prstGeom>
+        </p:spPr>
+      </p:pic>
     </p:spTree>
     <p:extLst>
       <p:ext uri="{BB962C8B-B14F-4D97-AF65-F5344CB8AC3E}">
@@ -6643,14 +7865,21 @@
             <p:ph type="title"/>
           </p:nvPr>
         </p:nvSpPr>
-        <p:spPr/>
+        <p:spPr>
+          <a:xfrm>
+            <a:off x="3217826" y="939800"/>
+            <a:ext cx="5498164" cy="496756"/>
+          </a:xfrm>
+        </p:spPr>
         <p:txBody>
-          <a:bodyPr/>
+          <a:bodyPr>
+            <a:normAutofit fontScale="90000"/>
+          </a:bodyPr>
           <a:lstStyle/>
           <a:p>
             <a:r>
               <a:rPr lang="en-GB" dirty="0"/>
-              <a:t>RNN RESULT AND VISUALISATION</a:t>
+              <a:t>Optimal RNN Model Configurations</a:t>
             </a:r>
             <a:endParaRPr lang="nb-NO" dirty="0"/>
           </a:p>
@@ -6672,12 +7901,132 @@
             <p:ph idx="1"/>
           </p:nvPr>
         </p:nvSpPr>
-        <p:spPr/>
+        <p:spPr>
+          <a:xfrm>
+            <a:off x="452101" y="1836569"/>
+            <a:ext cx="11029615" cy="4859867"/>
+          </a:xfrm>
+        </p:spPr>
         <p:txBody>
-          <a:bodyPr/>
+          <a:bodyPr>
+            <a:normAutofit/>
+          </a:bodyPr>
           <a:lstStyle/>
           <a:p>
-            <a:endParaRPr lang="nb-NO"/>
+            <a:pPr>
+              <a:lnSpc>
+                <a:spcPct val="160000"/>
+              </a:lnSpc>
+              <a:buSzPct val="80000"/>
+              <a:buFont typeface="System Font Regular"/>
+              <a:buChar char="❇️"/>
+            </a:pPr>
+            <a:r>
+              <a:rPr lang="en-US" sz="2800" dirty="0">
+                <a:solidFill>
+                  <a:schemeClr val="tx1"/>
+                </a:solidFill>
+                <a:latin typeface="+mj-lt"/>
+              </a:rPr>
+              <a:t>  T</a:t>
+            </a:r>
+            <a:r>
+              <a:rPr lang="en-US" sz="2800" b="0" i="0" dirty="0">
+                <a:solidFill>
+                  <a:schemeClr val="tx1"/>
+                </a:solidFill>
+                <a:effectLst/>
+                <a:latin typeface="+mj-lt"/>
+              </a:rPr>
+              <a:t>wo layers</a:t>
+            </a:r>
+          </a:p>
+          <a:p>
+            <a:pPr>
+              <a:lnSpc>
+                <a:spcPct val="160000"/>
+              </a:lnSpc>
+              <a:buSzPct val="80000"/>
+              <a:buFont typeface="System Font Regular"/>
+              <a:buChar char="❇️"/>
+            </a:pPr>
+            <a:r>
+              <a:rPr lang="en-US" sz="2800" b="0" i="0" dirty="0">
+                <a:solidFill>
+                  <a:schemeClr val="tx1"/>
+                </a:solidFill>
+                <a:effectLst/>
+                <a:latin typeface="+mj-lt"/>
+              </a:rPr>
+              <a:t>  Sigmoid activation function</a:t>
+            </a:r>
+          </a:p>
+          <a:p>
+            <a:pPr>
+              <a:lnSpc>
+                <a:spcPct val="160000"/>
+              </a:lnSpc>
+              <a:buSzPct val="80000"/>
+              <a:buFont typeface="System Font Regular"/>
+              <a:buChar char="❇️"/>
+            </a:pPr>
+            <a:r>
+              <a:rPr lang="en-US" sz="2800" b="0" i="0" dirty="0">
+                <a:solidFill>
+                  <a:schemeClr val="tx1"/>
+                </a:solidFill>
+                <a:effectLst/>
+                <a:latin typeface="+mj-lt"/>
+              </a:rPr>
+              <a:t>  Smaller batch sizes</a:t>
+            </a:r>
+          </a:p>
+          <a:p>
+            <a:pPr>
+              <a:lnSpc>
+                <a:spcPct val="160000"/>
+              </a:lnSpc>
+              <a:buSzPct val="80000"/>
+              <a:buFont typeface="System Font Regular"/>
+              <a:buChar char="❇️"/>
+            </a:pPr>
+            <a:r>
+              <a:rPr lang="en-US" sz="2800" b="0" i="0" dirty="0">
+                <a:solidFill>
+                  <a:schemeClr val="tx1"/>
+                </a:solidFill>
+                <a:effectLst/>
+                <a:latin typeface="+mj-lt"/>
+              </a:rPr>
+              <a:t>  TF-IDF</a:t>
+            </a:r>
+          </a:p>
+          <a:p>
+            <a:pPr>
+              <a:lnSpc>
+                <a:spcPct val="160000"/>
+              </a:lnSpc>
+              <a:buSzPct val="80000"/>
+              <a:buFont typeface="System Font Regular"/>
+              <a:buChar char="❇️"/>
+            </a:pPr>
+            <a:r>
+              <a:rPr lang="en-US" sz="2800" b="0" i="0" dirty="0">
+                <a:solidFill>
+                  <a:schemeClr val="tx1"/>
+                </a:solidFill>
+                <a:effectLst/>
+                <a:latin typeface="+mj-lt"/>
+              </a:rPr>
+              <a:t>  Dropout regularization improved results</a:t>
+            </a:r>
+            <a:endParaRPr lang="en-US" sz="2800" b="1" i="0" dirty="0">
+              <a:solidFill>
+                <a:schemeClr val="tx1"/>
+              </a:solidFill>
+              <a:effectLst/>
+              <a:latin typeface="+mj-lt"/>
+            </a:endParaRPr>
           </a:p>
         </p:txBody>
       </p:sp>
@@ -6716,7 +8065,7 @@
           <p:cNvPr id="2" name="Title 1">
             <a:extLst>
               <a:ext uri="{FF2B5EF4-FFF2-40B4-BE49-F238E27FC236}">
-                <a16:creationId xmlns:a16="http://schemas.microsoft.com/office/drawing/2014/main" id="{F4565AA6-736B-F5BA-9AB8-27B60CEEBE69}"/>
+                <a16:creationId xmlns:a16="http://schemas.microsoft.com/office/drawing/2014/main" id="{5EEFE5C6-5D83-E3A5-198A-C877380E3408}"/>
               </a:ext>
             </a:extLst>
           </p:cNvPr>
@@ -6727,21 +8076,22 @@
             <p:ph type="title"/>
           </p:nvPr>
         </p:nvSpPr>
-        <p:spPr/>
+        <p:spPr>
+          <a:xfrm>
+            <a:off x="2580829" y="939800"/>
+            <a:ext cx="7030341" cy="496756"/>
+          </a:xfrm>
+        </p:spPr>
         <p:txBody>
-          <a:bodyPr/>
+          <a:bodyPr>
+            <a:normAutofit fontScale="90000"/>
+          </a:bodyPr>
           <a:lstStyle/>
           <a:p>
+            <a:pPr algn="ctr"/>
             <a:r>
               <a:rPr lang="en-GB" dirty="0"/>
-              <a:t>CONCLUSION&amp; REFERENCES</a:t>
-            </a:r>
-            <a:br>
-              <a:rPr lang="en-GB" dirty="0"/>
-            </a:br>
-            <a:r>
-              <a:rPr lang="en-GB" dirty="0"/>
-              <a:t>ALI</a:t>
+              <a:t>Comparative Analysis of FFNN and RNN</a:t>
             </a:r>
             <a:endParaRPr lang="nb-NO" dirty="0"/>
           </a:p>
@@ -6752,7 +8102,7 @@
           <p:cNvPr id="3" name="Content Placeholder 2">
             <a:extLst>
               <a:ext uri="{FF2B5EF4-FFF2-40B4-BE49-F238E27FC236}">
-                <a16:creationId xmlns:a16="http://schemas.microsoft.com/office/drawing/2014/main" id="{1578B382-79BC-A01C-2051-3E9144DD08C5}"/>
+                <a16:creationId xmlns:a16="http://schemas.microsoft.com/office/drawing/2014/main" id="{F76F12B8-989F-BA2A-C94D-842FCCE65B3B}"/>
               </a:ext>
             </a:extLst>
           </p:cNvPr>
@@ -6763,32 +8113,368 @@
             <p:ph idx="1"/>
           </p:nvPr>
         </p:nvSpPr>
-        <p:spPr/>
+        <p:spPr>
+          <a:xfrm>
+            <a:off x="473616" y="1785769"/>
+            <a:ext cx="11029615" cy="4905487"/>
+          </a:xfrm>
+        </p:spPr>
         <p:txBody>
-          <a:bodyPr/>
+          <a:bodyPr>
+            <a:normAutofit fontScale="85000" lnSpcReduction="20000"/>
+          </a:bodyPr>
           <a:lstStyle/>
           <a:p>
-            <a:r>
-              <a:rPr lang="en-GB" dirty="0"/>
-              <a:t>COPY REFERENCE FROM REPORT HERE</a:t>
-            </a:r>
-          </a:p>
-          <a:p>
-            <a:r>
-              <a:rPr lang="en-GB" dirty="0"/>
-              <a:t>GITHUB LINK</a:t>
-            </a:r>
-            <a:endParaRPr lang="en-NF" dirty="0"/>
-          </a:p>
-          <a:p>
-            <a:endParaRPr lang="nb-NO" dirty="0"/>
+            <a:pPr>
+              <a:lnSpc>
+                <a:spcPct val="150000"/>
+              </a:lnSpc>
+            </a:pPr>
+            <a:r>
+              <a:rPr lang="en-US" b="1" i="0" dirty="0">
+                <a:solidFill>
+                  <a:srgbClr val="0D0D0D"/>
+                </a:solidFill>
+                <a:effectLst/>
+                <a:highlight>
+                  <a:srgbClr val="FFFFFF"/>
+                </a:highlight>
+                <a:latin typeface="+mj-lt"/>
+              </a:rPr>
+              <a:t>Performance Metrics:</a:t>
+            </a:r>
+            <a:endParaRPr lang="en-US" b="0" i="0" dirty="0">
+              <a:solidFill>
+                <a:srgbClr val="0D0D0D"/>
+              </a:solidFill>
+              <a:effectLst/>
+              <a:highlight>
+                <a:srgbClr val="FFFFFF"/>
+              </a:highlight>
+              <a:latin typeface="+mj-lt"/>
+            </a:endParaRPr>
+          </a:p>
+          <a:p>
+            <a:pPr marL="457200" lvl="1" indent="0">
+              <a:lnSpc>
+                <a:spcPct val="150000"/>
+              </a:lnSpc>
+              <a:buNone/>
+            </a:pPr>
+            <a:r>
+              <a:rPr lang="en-US" b="1" i="0" dirty="0">
+                <a:solidFill>
+                  <a:srgbClr val="0D0D0D"/>
+                </a:solidFill>
+                <a:effectLst/>
+                <a:highlight>
+                  <a:srgbClr val="FFFFFF"/>
+                </a:highlight>
+                <a:latin typeface="+mj-lt"/>
+              </a:rPr>
+              <a:t>FFNN:</a:t>
+            </a:r>
+            <a:r>
+              <a:rPr lang="en-US" b="0" i="0" dirty="0">
+                <a:solidFill>
+                  <a:srgbClr val="0D0D0D"/>
+                </a:solidFill>
+                <a:effectLst/>
+                <a:highlight>
+                  <a:srgbClr val="FFFFFF"/>
+                </a:highlight>
+                <a:latin typeface="+mj-lt"/>
+              </a:rPr>
+              <a:t> Achieved the highest overall accuracy of 81% using the Count-Vectorizer method. </a:t>
+            </a:r>
+          </a:p>
+          <a:p>
+            <a:pPr marL="457200" lvl="1" indent="0">
+              <a:lnSpc>
+                <a:spcPct val="150000"/>
+              </a:lnSpc>
+              <a:buNone/>
+            </a:pPr>
+            <a:r>
+              <a:rPr lang="en-US" b="1" i="0" dirty="0">
+                <a:solidFill>
+                  <a:srgbClr val="0D0D0D"/>
+                </a:solidFill>
+                <a:effectLst/>
+                <a:highlight>
+                  <a:srgbClr val="FFFFFF"/>
+                </a:highlight>
+                <a:latin typeface="+mj-lt"/>
+              </a:rPr>
+              <a:t>RNN:</a:t>
+            </a:r>
+            <a:r>
+              <a:rPr lang="en-US" b="0" i="0" dirty="0">
+                <a:solidFill>
+                  <a:srgbClr val="0D0D0D"/>
+                </a:solidFill>
+                <a:effectLst/>
+                <a:highlight>
+                  <a:srgbClr val="FFFFFF"/>
+                </a:highlight>
+                <a:latin typeface="+mj-lt"/>
+              </a:rPr>
+              <a:t> Excelled in environments where sequence and context of data are significant, such as with the TF-IDF method</a:t>
+            </a:r>
+          </a:p>
+          <a:p>
+            <a:pPr>
+              <a:lnSpc>
+                <a:spcPct val="150000"/>
+              </a:lnSpc>
+            </a:pPr>
+            <a:r>
+              <a:rPr lang="en-US" b="1" i="0" dirty="0">
+                <a:solidFill>
+                  <a:srgbClr val="0D0D0D"/>
+                </a:solidFill>
+                <a:effectLst/>
+                <a:highlight>
+                  <a:srgbClr val="FFFFFF"/>
+                </a:highlight>
+                <a:latin typeface="+mj-lt"/>
+              </a:rPr>
+              <a:t>Optimal Feature Extraction:</a:t>
+            </a:r>
+            <a:endParaRPr lang="en-US" b="0" i="0" dirty="0">
+              <a:solidFill>
+                <a:srgbClr val="0D0D0D"/>
+              </a:solidFill>
+              <a:effectLst/>
+              <a:highlight>
+                <a:srgbClr val="FFFFFF"/>
+              </a:highlight>
+              <a:latin typeface="+mj-lt"/>
+            </a:endParaRPr>
+          </a:p>
+          <a:p>
+            <a:pPr marL="457200" lvl="1" indent="0">
+              <a:lnSpc>
+                <a:spcPct val="150000"/>
+              </a:lnSpc>
+              <a:buNone/>
+            </a:pPr>
+            <a:r>
+              <a:rPr lang="en-US" b="1" i="0" dirty="0">
+                <a:solidFill>
+                  <a:srgbClr val="0D0D0D"/>
+                </a:solidFill>
+                <a:effectLst/>
+                <a:highlight>
+                  <a:srgbClr val="FFFFFF"/>
+                </a:highlight>
+                <a:latin typeface="+mj-lt"/>
+              </a:rPr>
+              <a:t>FFNN:</a:t>
+            </a:r>
+            <a:r>
+              <a:rPr lang="en-US" b="0" i="0" dirty="0">
+                <a:solidFill>
+                  <a:srgbClr val="0D0D0D"/>
+                </a:solidFill>
+                <a:effectLst/>
+                <a:highlight>
+                  <a:srgbClr val="FFFFFF"/>
+                </a:highlight>
+                <a:latin typeface="+mj-lt"/>
+              </a:rPr>
+              <a:t> Best results were observed with Count-Vectorizer</a:t>
+            </a:r>
+          </a:p>
+          <a:p>
+            <a:pPr marL="457200" lvl="1" indent="0">
+              <a:lnSpc>
+                <a:spcPct val="150000"/>
+              </a:lnSpc>
+              <a:buNone/>
+            </a:pPr>
+            <a:r>
+              <a:rPr lang="en-US" b="1" i="0" dirty="0">
+                <a:solidFill>
+                  <a:srgbClr val="0D0D0D"/>
+                </a:solidFill>
+                <a:effectLst/>
+                <a:highlight>
+                  <a:srgbClr val="FFFFFF"/>
+                </a:highlight>
+                <a:latin typeface="+mj-lt"/>
+              </a:rPr>
+              <a:t>RNN:</a:t>
+            </a:r>
+            <a:r>
+              <a:rPr lang="en-US" b="0" i="0" dirty="0">
+                <a:solidFill>
+                  <a:srgbClr val="0D0D0D"/>
+                </a:solidFill>
+                <a:effectLst/>
+                <a:highlight>
+                  <a:srgbClr val="FFFFFF"/>
+                </a:highlight>
+                <a:latin typeface="+mj-lt"/>
+              </a:rPr>
+              <a:t> Showed a preference for TF-IDF, benefiting from the method’s emphasis on contextual importance</a:t>
+            </a:r>
+          </a:p>
+          <a:p>
+            <a:pPr>
+              <a:lnSpc>
+                <a:spcPct val="150000"/>
+              </a:lnSpc>
+            </a:pPr>
+            <a:r>
+              <a:rPr lang="en-US" b="1" i="0" dirty="0">
+                <a:solidFill>
+                  <a:srgbClr val="0D0D0D"/>
+                </a:solidFill>
+                <a:effectLst/>
+                <a:highlight>
+                  <a:srgbClr val="FFFFFF"/>
+                </a:highlight>
+                <a:latin typeface="+mj-lt"/>
+              </a:rPr>
+              <a:t>Activation Functions and Layers:</a:t>
+            </a:r>
+            <a:endParaRPr lang="en-US" b="0" i="0" dirty="0">
+              <a:solidFill>
+                <a:srgbClr val="0D0D0D"/>
+              </a:solidFill>
+              <a:effectLst/>
+              <a:highlight>
+                <a:srgbClr val="FFFFFF"/>
+              </a:highlight>
+              <a:latin typeface="+mj-lt"/>
+            </a:endParaRPr>
+          </a:p>
+          <a:p>
+            <a:pPr marL="457200" lvl="1" indent="0">
+              <a:lnSpc>
+                <a:spcPct val="150000"/>
+              </a:lnSpc>
+              <a:buNone/>
+            </a:pPr>
+            <a:r>
+              <a:rPr lang="en-US" b="1" i="0" dirty="0">
+                <a:solidFill>
+                  <a:srgbClr val="0D0D0D"/>
+                </a:solidFill>
+                <a:effectLst/>
+                <a:highlight>
+                  <a:srgbClr val="FFFFFF"/>
+                </a:highlight>
+                <a:latin typeface="+mj-lt"/>
+              </a:rPr>
+              <a:t>FFNN:</a:t>
+            </a:r>
+            <a:r>
+              <a:rPr lang="en-US" b="0" i="0" dirty="0">
+                <a:solidFill>
+                  <a:srgbClr val="0D0D0D"/>
+                </a:solidFill>
+                <a:effectLst/>
+                <a:highlight>
+                  <a:srgbClr val="FFFFFF"/>
+                </a:highlight>
+                <a:latin typeface="+mj-lt"/>
+              </a:rPr>
+              <a:t> Found optimal performance with fewer layers</a:t>
+            </a:r>
+          </a:p>
+          <a:p>
+            <a:pPr marL="457200" lvl="1" indent="0">
+              <a:lnSpc>
+                <a:spcPct val="150000"/>
+              </a:lnSpc>
+              <a:buNone/>
+            </a:pPr>
+            <a:r>
+              <a:rPr lang="en-US" b="1" i="0" dirty="0">
+                <a:solidFill>
+                  <a:srgbClr val="0D0D0D"/>
+                </a:solidFill>
+                <a:effectLst/>
+                <a:highlight>
+                  <a:srgbClr val="FFFFFF"/>
+                </a:highlight>
+                <a:latin typeface="+mj-lt"/>
+              </a:rPr>
+              <a:t>RNN:</a:t>
+            </a:r>
+            <a:r>
+              <a:rPr lang="en-US" b="0" i="0" dirty="0">
+                <a:solidFill>
+                  <a:srgbClr val="0D0D0D"/>
+                </a:solidFill>
+                <a:effectLst/>
+                <a:highlight>
+                  <a:srgbClr val="FFFFFF"/>
+                </a:highlight>
+                <a:latin typeface="+mj-lt"/>
+              </a:rPr>
+              <a:t> Demonstrated robustness with increasing layers</a:t>
+            </a:r>
+          </a:p>
+          <a:p>
+            <a:pPr>
+              <a:lnSpc>
+                <a:spcPct val="150000"/>
+              </a:lnSpc>
+            </a:pPr>
+            <a:r>
+              <a:rPr lang="en-US" b="1" i="0" dirty="0">
+                <a:solidFill>
+                  <a:srgbClr val="0D0D0D"/>
+                </a:solidFill>
+                <a:effectLst/>
+                <a:highlight>
+                  <a:srgbClr val="FFFFFF"/>
+                </a:highlight>
+                <a:latin typeface="+mj-lt"/>
+              </a:rPr>
+              <a:t>Conclusion and Recommendation:</a:t>
+            </a:r>
+            <a:endParaRPr lang="en-US" b="0" i="0" dirty="0">
+              <a:solidFill>
+                <a:srgbClr val="0D0D0D"/>
+              </a:solidFill>
+              <a:effectLst/>
+              <a:highlight>
+                <a:srgbClr val="FFFFFF"/>
+              </a:highlight>
+              <a:latin typeface="+mj-lt"/>
+            </a:endParaRPr>
+          </a:p>
+          <a:p>
+            <a:pPr marL="457200" lvl="1" indent="0" algn="l">
+              <a:lnSpc>
+                <a:spcPct val="150000"/>
+              </a:lnSpc>
+              <a:buNone/>
+            </a:pPr>
+            <a:r>
+              <a:rPr lang="en-US" b="0" i="0" dirty="0">
+                <a:solidFill>
+                  <a:srgbClr val="0D0D0D"/>
+                </a:solidFill>
+                <a:effectLst/>
+                <a:highlight>
+                  <a:srgbClr val="FFFFFF"/>
+                </a:highlight>
+                <a:latin typeface="+mj-lt"/>
+              </a:rPr>
+              <a:t>The study suggests RNN might be more adaptable to complex patterns and contexts within text data, making it a potentially more suitable choice for future text classification tasks given its performance stability across various configurations.</a:t>
+            </a:r>
           </a:p>
         </p:txBody>
       </p:sp>
     </p:spTree>
     <p:extLst>
       <p:ext uri="{BB962C8B-B14F-4D97-AF65-F5344CB8AC3E}">
-        <p14:creationId xmlns:p14="http://schemas.microsoft.com/office/powerpoint/2010/main" val="3135248043"/>
+        <p14:creationId xmlns:p14="http://schemas.microsoft.com/office/powerpoint/2010/main" val="1238424500"/>
       </p:ext>
     </p:extLst>
   </p:cSld>
@@ -6831,12 +8517,22 @@
             <p:ph type="title"/>
           </p:nvPr>
         </p:nvSpPr>
-        <p:spPr/>
+        <p:spPr>
+          <a:xfrm>
+            <a:off x="5738895" y="702868"/>
+            <a:ext cx="714208" cy="716755"/>
+          </a:xfrm>
+        </p:spPr>
         <p:txBody>
-          <a:bodyPr/>
+          <a:bodyPr>
+            <a:normAutofit/>
+          </a:bodyPr>
           <a:lstStyle/>
           <a:p>
-            <a:endParaRPr lang="nb-NO"/>
+            <a:r>
+              <a:rPr lang="nb-NO" dirty="0"/>
+              <a:t>QA</a:t>
+            </a:r>
           </a:p>
         </p:txBody>
       </p:sp>
@@ -6858,10 +8554,56 @@
         </p:nvSpPr>
         <p:spPr/>
         <p:txBody>
-          <a:bodyPr/>
+          <a:bodyPr>
+            <a:normAutofit/>
+          </a:bodyPr>
           <a:lstStyle/>
           <a:p>
-            <a:endParaRPr lang="nb-NO"/>
+            <a:pPr marL="0" indent="0" algn="ctr">
+              <a:buNone/>
+            </a:pPr>
+            <a:r>
+              <a:rPr lang="nb-NO" sz="3600" dirty="0"/>
+              <a:t>Thanks for your time </a:t>
+            </a:r>
+          </a:p>
+        </p:txBody>
+      </p:sp>
+      <p:sp>
+        <p:nvSpPr>
+          <p:cNvPr id="4" name="TextBox 3">
+            <a:extLst>
+              <a:ext uri="{FF2B5EF4-FFF2-40B4-BE49-F238E27FC236}">
+                <a16:creationId xmlns:a16="http://schemas.microsoft.com/office/drawing/2014/main" id="{85A3F0A5-F2C5-4581-A8A9-2ABE8DD77A69}"/>
+              </a:ext>
+            </a:extLst>
+          </p:cNvPr>
+          <p:cNvSpPr txBox="1"/>
+          <p:nvPr/>
+        </p:nvSpPr>
+        <p:spPr>
+          <a:xfrm>
+            <a:off x="5198533" y="5554133"/>
+            <a:ext cx="1870064" cy="369332"/>
+          </a:xfrm>
+          <a:prstGeom prst="rect">
+            <a:avLst/>
+          </a:prstGeom>
+          <a:noFill/>
+        </p:spPr>
+        <p:txBody>
+          <a:bodyPr wrap="none" rtlCol="0">
+            <a:spAutoFit/>
+          </a:bodyPr>
+          <a:lstStyle/>
+          <a:p>
+            <a:r>
+              <a:rPr lang="en-US" dirty="0">
+                <a:hlinkClick r:id="rId2"/>
+              </a:rPr>
+              <a:t>Project on Github</a:t>
+            </a:r>
+            <a:endParaRPr lang="en-US" dirty="0"/>
           </a:p>
         </p:txBody>
       </p:sp>
@@ -6919,18 +8661,51 @@
         <a:srgbClr val="A5A5A5"/>
       </a:folHlink>
     </a:clrScheme>
-    <a:fontScheme name="Dividend">
+    <a:fontScheme name="Office 2007 - 2010">
       <a:majorFont>
-        <a:latin typeface="Gill Sans MT" panose="020B0502020104020203"/>
+        <a:latin typeface="Calibri"/>
         <a:ea typeface=""/>
         <a:cs typeface=""/>
-        <a:font script="Grek" typeface="Corbel"/>
-        <a:font script="Cyrl" typeface="Corbel"/>
-        <a:font script="Jpan" typeface="HGｺﾞｼｯｸE"/>
-        <a:font script="Hang" typeface="휴먼매직체"/>
-        <a:font script="Hans" typeface="华文中宋"/>
-        <a:font script="Hant" typeface="微軟正黑體"/>
-        <a:font script="Arab" typeface="Majalla UI"/>
+        <a:font script="Jpan" typeface="ＭＳ Ｐゴシック"/>
+        <a:font script="Hang" typeface="맑은 고딕"/>
+        <a:font script="Hans" typeface="宋体"/>
+        <a:font script="Hant" typeface="新細明體"/>
+        <a:font script="Arab" typeface="Times New Roman"/>
+        <a:font script="Hebr" typeface="Times New Roman"/>
+        <a:font script="Thai" typeface="Angsana New"/>
+        <a:font script="Ethi" typeface="Nyala"/>
+        <a:font script="Beng" typeface="Vrinda"/>
+        <a:font script="Gujr" typeface="Shruti"/>
+        <a:font script="Khmr" typeface="MoolBoran"/>
+        <a:font script="Knda" typeface="Tunga"/>
+        <a:font script="Guru" typeface="Raavi"/>
+        <a:font script="Cans" typeface="Euphemia"/>
+        <a:font script="Cher" typeface="Plantagenet Cherokee"/>
+        <a:font script="Yiii" typeface="Microsoft Yi Baiti"/>
+        <a:font script="Tibt" typeface="Microsoft Himalaya"/>
+        <a:font script="Thaa" typeface="MV Boli"/>
+        <a:font script="Deva" typeface="Mangal"/>
+        <a:font script="Telu" typeface="Gautami"/>
+        <a:font script="Taml" typeface="Latha"/>
+        <a:font script="Syrc" typeface="Estrangelo Edessa"/>
+        <a:font script="Orya" typeface="Kalinga"/>
+        <a:font script="Mlym" typeface="Kartika"/>
+        <a:font script="Laoo" typeface="DokChampa"/>
+        <a:font script="Sinh" typeface="Iskoola Pota"/>
+        <a:font script="Mong" typeface="Mongolian Baiti"/>
+        <a:font script="Viet" typeface="Times New Roman"/>
+        <a:font script="Uigh" typeface="Microsoft Uighur"/>
+        <a:font script="Geor" typeface="Sylfaen"/>
+      </a:majorFont>
+      <a:minorFont>
+        <a:latin typeface="Calibri"/>
+        <a:ea typeface=""/>
+        <a:cs typeface=""/>
+        <a:font script="Jpan" typeface="ＭＳ Ｐゴシック"/>
+        <a:font script="Hang" typeface="맑은 고딕"/>
+        <a:font script="Hans" typeface="宋体"/>
+        <a:font script="Hant" typeface="新細明體"/>
+        <a:font script="Arab" typeface="Arial"/>
         <a:font script="Hebr" typeface="Arial"/>
         <a:font script="Thai" typeface="Cordia New"/>
         <a:font script="Ethi" typeface="Nyala"/>
@@ -6953,44 +8728,7 @@
         <a:font script="Laoo" typeface="DokChampa"/>
         <a:font script="Sinh" typeface="Iskoola Pota"/>
         <a:font script="Mong" typeface="Mongolian Baiti"/>
-        <a:font script="Viet" typeface="Tahoma"/>
-        <a:font script="Uigh" typeface="Microsoft Uighur"/>
-        <a:font script="Geor" typeface="Sylfaen"/>
-      </a:majorFont>
-      <a:minorFont>
-        <a:latin typeface="Gill Sans MT" panose="020B0502020104020203"/>
-        <a:ea typeface=""/>
-        <a:cs typeface=""/>
-        <a:font script="Grek" typeface="Corbel"/>
-        <a:font script="Cyrl" typeface="Corbel"/>
-        <a:font script="Jpan" typeface="HGｺﾞｼｯｸE"/>
-        <a:font script="Hang" typeface="휴먼매직체"/>
-        <a:font script="Hans" typeface="华文中宋"/>
-        <a:font script="Hant" typeface="微軟正黑體"/>
-        <a:font script="Arab" typeface="Majalla UI"/>
-        <a:font script="Hebr" typeface="Arial"/>
-        <a:font script="Thai" typeface="Cordia New"/>
-        <a:font script="Ethi" typeface="Nyala"/>
-        <a:font script="Beng" typeface="Vrinda"/>
-        <a:font script="Gujr" typeface="Shruti"/>
-        <a:font script="Khmr" typeface="DaunPenh"/>
-        <a:font script="Knda" typeface="Tunga"/>
-        <a:font script="Guru" typeface="Raavi"/>
-        <a:font script="Cans" typeface="Euphemia"/>
-        <a:font script="Cher" typeface="Plantagenet Cherokee"/>
-        <a:font script="Yiii" typeface="Microsoft Yi Baiti"/>
-        <a:font script="Tibt" typeface="Microsoft Himalaya"/>
-        <a:font script="Thaa" typeface="MV Boli"/>
-        <a:font script="Deva" typeface="Mangal"/>
-        <a:font script="Telu" typeface="Gautami"/>
-        <a:font script="Taml" typeface="Latha"/>
-        <a:font script="Syrc" typeface="Estrangelo Edessa"/>
-        <a:font script="Orya" typeface="Kalinga"/>
-        <a:font script="Mlym" typeface="Kartika"/>
-        <a:font script="Laoo" typeface="DokChampa"/>
-        <a:font script="Sinh" typeface="Iskoola Pota"/>
-        <a:font script="Mong" typeface="Mongolian Baiti"/>
-        <a:font script="Viet" typeface="Tahoma"/>
+        <a:font script="Viet" typeface="Arial"/>
         <a:font script="Uigh" typeface="Microsoft Uighur"/>
         <a:font script="Geor" typeface="Sylfaen"/>
       </a:minorFont>
@@ -7145,4 +8883,319 @@
     </a:ext>
   </a:extLst>
 </a:theme>
+</file>
+
+<file path=ppt/theme/theme2.xml><?xml version="1.0" encoding="utf-8"?>
+<a:theme xmlns:a="http://schemas.openxmlformats.org/drawingml/2006/main" name="Office Theme">
+  <a:themeElements>
+    <a:clrScheme name="Office">
+      <a:dk1>
+        <a:sysClr val="windowText" lastClr="000000"/>
+      </a:dk1>
+      <a:lt1>
+        <a:sysClr val="window" lastClr="FFFFFF"/>
+      </a:lt1>
+      <a:dk2>
+        <a:srgbClr val="0E2841"/>
+      </a:dk2>
+      <a:lt2>
+        <a:srgbClr val="E8E8E8"/>
+      </a:lt2>
+      <a:accent1>
+        <a:srgbClr val="156082"/>
+      </a:accent1>
+      <a:accent2>
+        <a:srgbClr val="E97132"/>
+      </a:accent2>
+      <a:accent3>
+        <a:srgbClr val="196B24"/>
+      </a:accent3>
+      <a:accent4>
+        <a:srgbClr val="0F9ED5"/>
+      </a:accent4>
+      <a:accent5>
+        <a:srgbClr val="A02B93"/>
+      </a:accent5>
+      <a:accent6>
+        <a:srgbClr val="4EA72E"/>
+      </a:accent6>
+      <a:hlink>
+        <a:srgbClr val="467886"/>
+      </a:hlink>
+      <a:folHlink>
+        <a:srgbClr val="96607D"/>
+      </a:folHlink>
+    </a:clrScheme>
+    <a:fontScheme name="Office">
+      <a:majorFont>
+        <a:latin typeface="Aptos Display" panose="02110004020202020204"/>
+        <a:ea typeface=""/>
+        <a:cs typeface=""/>
+        <a:font script="Jpan" typeface="游ゴシック Light"/>
+        <a:font script="Hang" typeface="맑은 고딕"/>
+        <a:font script="Hans" typeface="等线 Light"/>
+        <a:font script="Hant" typeface="新細明體"/>
+        <a:font script="Arab" typeface="Times New Roman"/>
+        <a:font script="Hebr" typeface="Times New Roman"/>
+        <a:font script="Thai" typeface="Angsana New"/>
+        <a:font script="Ethi" typeface="Nyala"/>
+        <a:font script="Beng" typeface="Vrinda"/>
+        <a:font script="Gujr" typeface="Shruti"/>
+        <a:font script="Khmr" typeface="MoolBoran"/>
+        <a:font script="Knda" typeface="Tunga"/>
+        <a:font script="Guru" typeface="Raavi"/>
+        <a:font script="Cans" typeface="Euphemia"/>
+        <a:font script="Cher" typeface="Plantagenet Cherokee"/>
+        <a:font script="Yiii" typeface="Microsoft Yi Baiti"/>
+        <a:font script="Tibt" typeface="Microsoft Himalaya"/>
+        <a:font script="Thaa" typeface="MV Boli"/>
+        <a:font script="Deva" typeface="Mangal"/>
+        <a:font script="Telu" typeface="Gautami"/>
+        <a:font script="Taml" typeface="Latha"/>
+        <a:font script="Syrc" typeface="Estrangelo Edessa"/>
+        <a:font script="Orya" typeface="Kalinga"/>
+        <a:font script="Mlym" typeface="Kartika"/>
+        <a:font script="Laoo" typeface="DokChampa"/>
+        <a:font script="Sinh" typeface="Iskoola Pota"/>
+        <a:font script="Mong" typeface="Mongolian Baiti"/>
+        <a:font script="Viet" typeface="Times New Roman"/>
+        <a:font script="Uigh" typeface="Microsoft Uighur"/>
+        <a:font script="Geor" typeface="Sylfaen"/>
+        <a:font script="Armn" typeface="Arial"/>
+        <a:font script="Bugi" typeface="Leelawadee UI"/>
+        <a:font script="Bopo" typeface="Microsoft JhengHei"/>
+        <a:font script="Java" typeface="Javanese Text"/>
+        <a:font script="Lisu" typeface="Segoe UI"/>
+        <a:font script="Mymr" typeface="Myanmar Text"/>
+        <a:font script="Nkoo" typeface="Ebrima"/>
+        <a:font script="Olck" typeface="Nirmala UI"/>
+        <a:font script="Osma" typeface="Ebrima"/>
+        <a:font script="Phag" typeface="Phagspa"/>
+        <a:font script="Syrn" typeface="Estrangelo Edessa"/>
+        <a:font script="Syrj" typeface="Estrangelo Edessa"/>
+        <a:font script="Syre" typeface="Estrangelo Edessa"/>
+        <a:font script="Sora" typeface="Nirmala UI"/>
+        <a:font script="Tale" typeface="Microsoft Tai Le"/>
+        <a:font script="Talu" typeface="Microsoft New Tai Lue"/>
+        <a:font script="Tfng" typeface="Ebrima"/>
+      </a:majorFont>
+      <a:minorFont>
+        <a:latin typeface="Aptos" panose="02110004020202020204"/>
+        <a:ea typeface=""/>
+        <a:cs typeface=""/>
+        <a:font script="Jpan" typeface="游ゴシック"/>
+        <a:font script="Hang" typeface="맑은 고딕"/>
+        <a:font script="Hans" typeface="等线"/>
+        <a:font script="Hant" typeface="新細明體"/>
+        <a:font script="Arab" typeface="Arial"/>
+        <a:font script="Hebr" typeface="Arial"/>
+        <a:font script="Thai" typeface="Cordia New"/>
+        <a:font script="Ethi" typeface="Nyala"/>
+        <a:font script="Beng" typeface="Vrinda"/>
+        <a:font script="Gujr" typeface="Shruti"/>
+        <a:font script="Khmr" typeface="DaunPenh"/>
+        <a:font script="Knda" typeface="Tunga"/>
+        <a:font script="Guru" typeface="Raavi"/>
+        <a:font script="Cans" typeface="Euphemia"/>
+        <a:font script="Cher" typeface="Plantagenet Cherokee"/>
+        <a:font script="Yiii" typeface="Microsoft Yi Baiti"/>
+        <a:font script="Tibt" typeface="Microsoft Himalaya"/>
+        <a:font script="Thaa" typeface="MV Boli"/>
+        <a:font script="Deva" typeface="Mangal"/>
+        <a:font script="Telu" typeface="Gautami"/>
+        <a:font script="Taml" typeface="Latha"/>
+        <a:font script="Syrc" typeface="Estrangelo Edessa"/>
+        <a:font script="Orya" typeface="Kalinga"/>
+        <a:font script="Mlym" typeface="Kartika"/>
+        <a:font script="Laoo" typeface="DokChampa"/>
+        <a:font script="Sinh" typeface="Iskoola Pota"/>
+        <a:font script="Mong" typeface="Mongolian Baiti"/>
+        <a:font script="Viet" typeface="Arial"/>
+        <a:font script="Uigh" typeface="Microsoft Uighur"/>
+        <a:font script="Geor" typeface="Sylfaen"/>
+        <a:font script="Armn" typeface="Arial"/>
+        <a:font script="Bugi" typeface="Leelawadee UI"/>
+        <a:font script="Bopo" typeface="Microsoft JhengHei"/>
+        <a:font script="Java" typeface="Javanese Text"/>
+        <a:font script="Lisu" typeface="Segoe UI"/>
+        <a:font script="Mymr" typeface="Myanmar Text"/>
+        <a:font script="Nkoo" typeface="Ebrima"/>
+        <a:font script="Olck" typeface="Nirmala UI"/>
+        <a:font script="Osma" typeface="Ebrima"/>
+        <a:font script="Phag" typeface="Phagspa"/>
+        <a:font script="Syrn" typeface="Estrangelo Edessa"/>
+        <a:font script="Syrj" typeface="Estrangelo Edessa"/>
+        <a:font script="Syre" typeface="Estrangelo Edessa"/>
+        <a:font script="Sora" typeface="Nirmala UI"/>
+        <a:font script="Tale" typeface="Microsoft Tai Le"/>
+        <a:font script="Talu" typeface="Microsoft New Tai Lue"/>
+        <a:font script="Tfng" typeface="Ebrima"/>
+      </a:minorFont>
+    </a:fontScheme>
+    <a:fmtScheme name="Office">
+      <a:fillStyleLst>
+        <a:solidFill>
+          <a:schemeClr val="phClr"/>
+        </a:solidFill>
+        <a:gradFill rotWithShape="1">
+          <a:gsLst>
+            <a:gs pos="0">
+              <a:schemeClr val="phClr">
+                <a:lumMod val="110000"/>
+                <a:satMod val="105000"/>
+                <a:tint val="67000"/>
+              </a:schemeClr>
+            </a:gs>
+            <a:gs pos="50000">
+              <a:schemeClr val="phClr">
+                <a:lumMod val="105000"/>
+                <a:satMod val="103000"/>
+                <a:tint val="73000"/>
+              </a:schemeClr>
+            </a:gs>
+            <a:gs pos="100000">
+              <a:schemeClr val="phClr">
+                <a:lumMod val="105000"/>
+                <a:satMod val="109000"/>
+                <a:tint val="81000"/>
+              </a:schemeClr>
+            </a:gs>
+          </a:gsLst>
+          <a:lin ang="5400000" scaled="0"/>
+        </a:gradFill>
+        <a:gradFill rotWithShape="1">
+          <a:gsLst>
+            <a:gs pos="0">
+              <a:schemeClr val="phClr">
+                <a:satMod val="103000"/>
+                <a:lumMod val="102000"/>
+                <a:tint val="94000"/>
+              </a:schemeClr>
+            </a:gs>
+            <a:gs pos="50000">
+              <a:schemeClr val="phClr">
+                <a:satMod val="110000"/>
+                <a:lumMod val="100000"/>
+                <a:shade val="100000"/>
+              </a:schemeClr>
+            </a:gs>
+            <a:gs pos="100000">
+              <a:schemeClr val="phClr">
+                <a:lumMod val="99000"/>
+                <a:satMod val="120000"/>
+                <a:shade val="78000"/>
+              </a:schemeClr>
+            </a:gs>
+          </a:gsLst>
+          <a:lin ang="5400000" scaled="0"/>
+        </a:gradFill>
+      </a:fillStyleLst>
+      <a:lnStyleLst>
+        <a:ln w="12700" cap="flat" cmpd="sng" algn="ctr">
+          <a:solidFill>
+            <a:schemeClr val="phClr"/>
+          </a:solidFill>
+          <a:prstDash val="solid"/>
+          <a:miter lim="800000"/>
+        </a:ln>
+        <a:ln w="19050" cap="flat" cmpd="sng" algn="ctr">
+          <a:solidFill>
+            <a:schemeClr val="phClr"/>
+          </a:solidFill>
+          <a:prstDash val="solid"/>
+          <a:miter lim="800000"/>
+        </a:ln>
+        <a:ln w="25400" cap="flat" cmpd="sng" algn="ctr">
+          <a:solidFill>
+            <a:schemeClr val="phClr"/>
+          </a:solidFill>
+          <a:prstDash val="solid"/>
+          <a:miter lim="800000"/>
+        </a:ln>
+      </a:lnStyleLst>
+      <a:effectStyleLst>
+        <a:effectStyle>
+          <a:effectLst/>
+        </a:effectStyle>
+        <a:effectStyle>
+          <a:effectLst/>
+        </a:effectStyle>
+        <a:effectStyle>
+          <a:effectLst>
+            <a:outerShdw blurRad="57150" dist="19050" dir="5400000" algn="ctr" rotWithShape="0">
+              <a:srgbClr val="000000">
+                <a:alpha val="63000"/>
+              </a:srgbClr>
+            </a:outerShdw>
+          </a:effectLst>
+        </a:effectStyle>
+      </a:effectStyleLst>
+      <a:bgFillStyleLst>
+        <a:solidFill>
+          <a:schemeClr val="phClr"/>
+        </a:solidFill>
+        <a:solidFill>
+          <a:schemeClr val="phClr">
+            <a:tint val="95000"/>
+            <a:satMod val="170000"/>
+          </a:schemeClr>
+        </a:solidFill>
+        <a:gradFill rotWithShape="1">
+          <a:gsLst>
+            <a:gs pos="0">
+              <a:schemeClr val="phClr">
+                <a:tint val="93000"/>
+                <a:satMod val="150000"/>
+                <a:shade val="98000"/>
+                <a:lumMod val="102000"/>
+              </a:schemeClr>
+            </a:gs>
+            <a:gs pos="50000">
+              <a:schemeClr val="phClr">
+                <a:tint val="98000"/>
+                <a:satMod val="130000"/>
+                <a:shade val="90000"/>
+                <a:lumMod val="103000"/>
+              </a:schemeClr>
+            </a:gs>
+            <a:gs pos="100000">
+              <a:schemeClr val="phClr">
+                <a:shade val="63000"/>
+                <a:satMod val="120000"/>
+              </a:schemeClr>
+            </a:gs>
+          </a:gsLst>
+          <a:lin ang="5400000" scaled="0"/>
+        </a:gradFill>
+      </a:bgFillStyleLst>
+    </a:fmtScheme>
+  </a:themeElements>
+  <a:objectDefaults>
+    <a:lnDef>
+      <a:spPr/>
+      <a:bodyPr/>
+      <a:lstStyle/>
+      <a:style>
+        <a:lnRef idx="2">
+          <a:schemeClr val="accent1"/>
+        </a:lnRef>
+        <a:fillRef idx="0">
+          <a:schemeClr val="accent1"/>
+        </a:fillRef>
+        <a:effectRef idx="1">
+          <a:schemeClr val="accent1"/>
+        </a:effectRef>
+        <a:fontRef idx="minor">
+          <a:schemeClr val="tx1"/>
+        </a:fontRef>
+      </a:style>
+    </a:lnDef>
+  </a:objectDefaults>
+  <a:extraClrSchemeLst/>
+  <a:extLst>
+    <a:ext uri="{05A4C25C-085E-4340-85A3-A5531E510DB2}">
+      <thm15:themeFamily xmlns:thm15="http://schemas.microsoft.com/office/thememl/2012/main" name="Office Theme" id="{2E142A2C-CD16-42D6-873A-C26D2A0506FA}" vid="{1BDDFF52-6CD6-40A5-AB3C-68EB2F1E4D0A}"/>
+    </a:ext>
+  </a:extLst>
+</a:theme>
 </file>